--- a/slides/2.pptx
+++ b/slides/2.pptx
@@ -17310,7 +17310,7 @@
         <p:spPr>
           <a:xfrm>
             <a:off x="6377305" y="1528445"/>
-            <a:ext cx="4400550" cy="4246245"/>
+            <a:ext cx="4400550" cy="3692525"/>
           </a:xfrm>
           <a:prstGeom prst="rect">
             <a:avLst/>
@@ -17617,7 +17617,6 @@
                 <a:ea typeface="宋体" panose="02010600030101010101" pitchFamily="2" charset="-122"/>
               </a:rPr>
               <a:t>-         </a:t>
             </a:r>
             <a:r>
@@ -17854,7 +17853,7 @@
                 <a:latin typeface="Consolas" panose="020B0609020204030204" charset="0"/>
                 <a:ea typeface="宋体" panose="02010600030101010101" pitchFamily="2" charset="-122"/>
               </a:rPr>
-              <a:t>"minor\n"</a:t>
+              <a:t>"Minor\n"</a:t>
             </a:r>
             <a:r>
               <a:rPr lang="en-US" b="1">
@@ -17908,7 +17907,6 @@
                 <a:ea typeface="宋体" panose="02010600030101010101" pitchFamily="2" charset="-122"/>
               </a:rPr>
               <a:t>-      </a:t>
             </a:r>
             <a:r>
@@ -17977,9 +17975,99 @@
           </a:p>
         </p:txBody>
       </p:sp>
+      <p:graphicFrame>
+        <p:nvGraphicFramePr>
+          <p:cNvPr id="8" name="表格 7"/>
+          <p:cNvGraphicFramePr/>
+          <p:nvPr>
+            <p:custDataLst>
+              <p:tags r:id="rId3"/>
+            </p:custDataLst>
+          </p:nvPr>
+        </p:nvGraphicFramePr>
+        <p:xfrm>
+          <a:off x="7190740" y="5578475"/>
+          <a:ext cx="2773045" cy="640080"/>
+        </p:xfrm>
+        <a:graphic>
+          <a:graphicData uri="http://schemas.openxmlformats.org/drawingml/2006/table">
+            <a:tbl>
+              <a:tblPr firstRow="1" bandRow="1">
+                <a:tableStyleId>{5C22544A-7EE6-4342-B048-85BDC9FD1C3A}</a:tableStyleId>
+              </a:tblPr>
+              <a:tblGrid>
+                <a:gridCol w="2773045"/>
+              </a:tblGrid>
+              <a:tr h="640080">
+                <a:tc>
+                  <a:txBody>
+                    <a:bodyPr/>
+                    <a:p>
+                      <a:pPr>
+                        <a:buNone/>
+                      </a:pPr>
+                      <a:r>
+                        <a:rPr lang="zh-CN" altLang="en-US" sz="1800" b="0">
+                          <a:solidFill>
+                            <a:schemeClr val="tx1"/>
+                          </a:solidFill>
+                          <a:latin typeface="Consolas" panose="020B0609020204030204" charset="0"/>
+                          <a:cs typeface="Consolas" panose="020B0609020204030204" charset="0"/>
+                          <a:sym typeface="+mn-ea"/>
+                        </a:rPr>
+                        <a:t>Enter your age: 17</a:t>
+                      </a:r>
+                      <a:endParaRPr lang="zh-CN" altLang="en-US" sz="1800" b="0">
+                        <a:solidFill>
+                          <a:schemeClr val="tx1"/>
+                        </a:solidFill>
+                        <a:latin typeface="Consolas" panose="020B0609020204030204" charset="0"/>
+                        <a:cs typeface="Consolas" panose="020B0609020204030204" charset="0"/>
+                        <a:sym typeface="+mn-ea"/>
+                      </a:endParaRPr>
+                    </a:p>
+                    <a:p>
+                      <a:pPr>
+                        <a:buNone/>
+                      </a:pPr>
+                      <a:r>
+                        <a:rPr lang="zh-CN" altLang="en-US" sz="1800" b="0">
+                          <a:solidFill>
+                            <a:schemeClr val="tx1"/>
+                          </a:solidFill>
+                          <a:latin typeface="Consolas" panose="020B0609020204030204" charset="0"/>
+                          <a:cs typeface="Consolas" panose="020B0609020204030204" charset="0"/>
+                          <a:sym typeface="+mn-ea"/>
+                        </a:rPr>
+                        <a:t>Minor</a:t>
+                      </a:r>
+                      <a:endParaRPr lang="zh-CN" altLang="en-US" sz="1800" b="0">
+                        <a:solidFill>
+                          <a:schemeClr val="tx1"/>
+                        </a:solidFill>
+                        <a:latin typeface="Consolas" panose="020B0609020204030204" charset="0"/>
+                        <a:cs typeface="Consolas" panose="020B0609020204030204" charset="0"/>
+                        <a:sym typeface="+mn-ea"/>
+                      </a:endParaRPr>
+                    </a:p>
+                  </a:txBody>
+                  <a:tcPr>
+                    <a:solidFill>
+                      <a:schemeClr val="accent6">
+                        <a:lumMod val="20000"/>
+                        <a:lumOff val="80000"/>
+                      </a:schemeClr>
+                    </a:solidFill>
+                  </a:tcPr>
+                </a:tc>
+              </a:tr>
+            </a:tbl>
+          </a:graphicData>
+        </a:graphic>
+      </p:graphicFrame>
     </p:spTree>
     <p:custDataLst>
-      <p:tags r:id="rId3"/>
+      <p:tags r:id="rId4"/>
     </p:custDataLst>
   </p:cSld>
   <p:clrMapOvr>
@@ -18048,8 +18136,8 @@
         </p:nvSpPr>
         <p:spPr>
           <a:xfrm>
-            <a:off x="854710" y="3180080"/>
-            <a:ext cx="4500880" cy="942975"/>
+            <a:off x="380365" y="1760855"/>
+            <a:ext cx="3444240" cy="1133475"/>
           </a:xfrm>
         </p:spPr>
         <p:txBody>
@@ -18074,14 +18162,14 @@
       </p:sp>
       <p:sp>
         <p:nvSpPr>
-          <p:cNvPr id="2" name="文本框 1"/>
+          <p:cNvPr id="100" name="文本框 99"/>
           <p:cNvSpPr txBox="1"/>
           <p:nvPr/>
         </p:nvSpPr>
         <p:spPr>
           <a:xfrm>
-            <a:off x="6355715" y="974725"/>
-            <a:ext cx="4786630" cy="5354320"/>
+            <a:off x="3974465" y="1034415"/>
+            <a:ext cx="7966075" cy="5354320"/>
           </a:xfrm>
           <a:prstGeom prst="rect">
             <a:avLst/>
@@ -18203,7 +18291,7 @@
                 <a:latin typeface="Consolas" panose="020B0609020204030204" charset="0"/>
                 <a:ea typeface="宋体" panose="02010600030101010101" pitchFamily="2" charset="-122"/>
               </a:rPr>
-              <a:t> age</a:t>
+              <a:t> year</a:t>
             </a:r>
             <a:r>
               <a:rPr lang="en-US" b="1">
@@ -18256,7 +18344,7 @@
                 <a:latin typeface="Consolas" panose="020B0609020204030204" charset="0"/>
                 <a:ea typeface="宋体" panose="02010600030101010101" pitchFamily="2" charset="-122"/>
               </a:rPr>
-              <a:t>"Enter your age: "</a:t>
+              <a:t>"Enter a year: "</a:t>
             </a:r>
             <a:r>
               <a:rPr lang="en-US" b="1">
@@ -18361,7 +18449,7 @@
                 <a:latin typeface="Consolas" panose="020B0609020204030204" charset="0"/>
                 <a:ea typeface="宋体" panose="02010600030101010101" pitchFamily="2" charset="-122"/>
               </a:rPr>
-              <a:t>age</a:t>
+              <a:t>year</a:t>
             </a:r>
             <a:r>
               <a:rPr lang="en-US" b="1">
@@ -18415,7 +18503,7 @@
                 <a:latin typeface="Consolas" panose="020B0609020204030204" charset="0"/>
                 <a:ea typeface="宋体" panose="02010600030101010101" pitchFamily="2" charset="-122"/>
               </a:rPr>
-              <a:t>(</a:t>
+              <a:t>((</a:t>
             </a:r>
             <a:r>
               <a:rPr lang="en-US" b="0">
@@ -18428,7 +18516,7 @@
                 <a:latin typeface="Consolas" panose="020B0609020204030204" charset="0"/>
                 <a:ea typeface="宋体" panose="02010600030101010101" pitchFamily="2" charset="-122"/>
               </a:rPr>
-              <a:t>age </a:t>
+              <a:t>year </a:t>
             </a:r>
             <a:r>
               <a:rPr lang="en-US" b="1">
@@ -18441,7 +18529,7 @@
                 <a:latin typeface="Consolas" panose="020B0609020204030204" charset="0"/>
                 <a:ea typeface="宋体" panose="02010600030101010101" pitchFamily="2" charset="-122"/>
               </a:rPr>
-              <a:t>&gt;</a:t>
+              <a:t>%</a:t>
             </a:r>
             <a:r>
               <a:rPr lang="en-US" b="0">
@@ -18467,6 +18555,58 @@
                 <a:latin typeface="Consolas" panose="020B0609020204030204" charset="0"/>
                 <a:ea typeface="宋体" panose="02010600030101010101" pitchFamily="2" charset="-122"/>
               </a:rPr>
+              <a:t>4</a:t>
+            </a:r>
+            <a:r>
+              <a:rPr lang="en-US" b="0">
+                <a:solidFill>
+                  <a:srgbClr val="000000"/>
+                </a:solidFill>
+                <a:highlight>
+                  <a:srgbClr val="FFFFFF"/>
+                </a:highlight>
+                <a:latin typeface="Consolas" panose="020B0609020204030204" charset="0"/>
+                <a:ea typeface="宋体" panose="02010600030101010101" pitchFamily="2" charset="-122"/>
+              </a:rPr>
+              <a:t> </a:t>
+            </a:r>
+            <a:r>
+              <a:rPr lang="en-US" b="1">
+                <a:solidFill>
+                  <a:srgbClr val="000080"/>
+                </a:solidFill>
+                <a:highlight>
+                  <a:srgbClr val="FFFFFF"/>
+                </a:highlight>
+                <a:latin typeface="Consolas" panose="020B0609020204030204" charset="0"/>
+                <a:ea typeface="宋体" panose="02010600030101010101" pitchFamily="2" charset="-122"/>
+              </a:rPr>
+              <a:t>==</a:t>
+            </a:r>
+            <a:r>
+              <a:rPr lang="en-US" b="0">
+                <a:solidFill>
+                  <a:srgbClr val="000000"/>
+                </a:solidFill>
+                <a:highlight>
+                  <a:srgbClr val="FFFFFF"/>
+                </a:highlight>
+                <a:latin typeface="Consolas" panose="020B0609020204030204" charset="0"/>
+                <a:ea typeface="宋体" panose="02010600030101010101" pitchFamily="2" charset="-122"/>
+              </a:rPr>
+              <a:t> </a:t>
+            </a:r>
+            <a:r>
+              <a:rPr lang="en-US" b="0">
+                <a:solidFill>
+                  <a:srgbClr val="FF8000"/>
+                </a:solidFill>
+                <a:highlight>
+                  <a:srgbClr val="FFFFFF"/>
+                </a:highlight>
+                <a:latin typeface="Consolas" panose="020B0609020204030204" charset="0"/>
+                <a:ea typeface="宋体" panose="02010600030101010101" pitchFamily="2" charset="-122"/>
+              </a:rPr>
               <a:t>0</a:t>
             </a:r>
             <a:r>
@@ -18506,7 +18646,7 @@
                 <a:latin typeface="Consolas" panose="020B0609020204030204" charset="0"/>
                 <a:ea typeface="宋体" panose="02010600030101010101" pitchFamily="2" charset="-122"/>
               </a:rPr>
-              <a:t> age </a:t>
+              <a:t> year </a:t>
             </a:r>
             <a:r>
               <a:rPr lang="en-US" b="1">
@@ -18519,7 +18659,7 @@
                 <a:latin typeface="Consolas" panose="020B0609020204030204" charset="0"/>
                 <a:ea typeface="宋体" panose="02010600030101010101" pitchFamily="2" charset="-122"/>
               </a:rPr>
-              <a:t>&lt;</a:t>
+              <a:t>%</a:t>
             </a:r>
             <a:r>
               <a:rPr lang="en-US" b="0">
@@ -18545,7 +18685,202 @@
                 <a:latin typeface="Consolas" panose="020B0609020204030204" charset="0"/>
                 <a:ea typeface="宋体" panose="02010600030101010101" pitchFamily="2" charset="-122"/>
               </a:rPr>
-              <a:t>18</a:t>
+              <a:t>100</a:t>
+            </a:r>
+            <a:r>
+              <a:rPr lang="en-US" b="0">
+                <a:solidFill>
+                  <a:srgbClr val="000000"/>
+                </a:solidFill>
+                <a:highlight>
+                  <a:srgbClr val="FFFFFF"/>
+                </a:highlight>
+                <a:latin typeface="Consolas" panose="020B0609020204030204" charset="0"/>
+                <a:ea typeface="宋体" panose="02010600030101010101" pitchFamily="2" charset="-122"/>
+              </a:rPr>
+              <a:t> </a:t>
+            </a:r>
+            <a:r>
+              <a:rPr lang="en-US" b="1">
+                <a:solidFill>
+                  <a:srgbClr val="000080"/>
+                </a:solidFill>
+                <a:highlight>
+                  <a:srgbClr val="FFFFFF"/>
+                </a:highlight>
+                <a:latin typeface="Consolas" panose="020B0609020204030204" charset="0"/>
+                <a:ea typeface="宋体" panose="02010600030101010101" pitchFamily="2" charset="-122"/>
+              </a:rPr>
+              <a:t>!=</a:t>
+            </a:r>
+            <a:r>
+              <a:rPr lang="en-US" b="0">
+                <a:solidFill>
+                  <a:srgbClr val="000000"/>
+                </a:solidFill>
+                <a:highlight>
+                  <a:srgbClr val="FFFFFF"/>
+                </a:highlight>
+                <a:latin typeface="Consolas" panose="020B0609020204030204" charset="0"/>
+                <a:ea typeface="宋体" panose="02010600030101010101" pitchFamily="2" charset="-122"/>
+              </a:rPr>
+              <a:t> </a:t>
+            </a:r>
+            <a:r>
+              <a:rPr lang="en-US" b="0">
+                <a:solidFill>
+                  <a:srgbClr val="FF8000"/>
+                </a:solidFill>
+                <a:highlight>
+                  <a:srgbClr val="FFFFFF"/>
+                </a:highlight>
+                <a:latin typeface="Consolas" panose="020B0609020204030204" charset="0"/>
+                <a:ea typeface="宋体" panose="02010600030101010101" pitchFamily="2" charset="-122"/>
+              </a:rPr>
+              <a:t>0</a:t>
+            </a:r>
+            <a:r>
+              <a:rPr lang="en-US" b="1">
+                <a:solidFill>
+                  <a:srgbClr val="000080"/>
+                </a:solidFill>
+                <a:highlight>
+                  <a:srgbClr val="FFFFFF"/>
+                </a:highlight>
+                <a:latin typeface="Consolas" panose="020B0609020204030204" charset="0"/>
+                <a:ea typeface="宋体" panose="02010600030101010101" pitchFamily="2" charset="-122"/>
+              </a:rPr>
+              <a:t>)</a:t>
+            </a:r>
+            <a:r>
+              <a:rPr lang="en-US" b="0">
+                <a:solidFill>
+                  <a:srgbClr val="000000"/>
+                </a:solidFill>
+                <a:highlight>
+                  <a:srgbClr val="FFFFFF"/>
+                </a:highlight>
+                <a:latin typeface="Consolas" panose="020B0609020204030204" charset="0"/>
+                <a:ea typeface="宋体" panose="02010600030101010101" pitchFamily="2" charset="-122"/>
+              </a:rPr>
+              <a:t> </a:t>
+            </a:r>
+            <a:r>
+              <a:rPr lang="en-US" b="1">
+                <a:solidFill>
+                  <a:srgbClr val="000080"/>
+                </a:solidFill>
+                <a:highlight>
+                  <a:srgbClr val="FFFFFF"/>
+                </a:highlight>
+                <a:latin typeface="Consolas" panose="020B0609020204030204" charset="0"/>
+                <a:ea typeface="宋体" panose="02010600030101010101" pitchFamily="2" charset="-122"/>
+              </a:rPr>
+              <a:t>||</a:t>
+            </a:r>
+            <a:r>
+              <a:rPr lang="en-US" b="0">
+                <a:solidFill>
+                  <a:srgbClr val="000000"/>
+                </a:solidFill>
+                <a:highlight>
+                  <a:srgbClr val="FFFFFF"/>
+                </a:highlight>
+                <a:latin typeface="Consolas" panose="020B0609020204030204" charset="0"/>
+                <a:ea typeface="宋体" panose="02010600030101010101" pitchFamily="2" charset="-122"/>
+              </a:rPr>
+              <a:t> year </a:t>
+            </a:r>
+            <a:r>
+              <a:rPr lang="en-US" b="1">
+                <a:solidFill>
+                  <a:srgbClr val="000080"/>
+                </a:solidFill>
+                <a:highlight>
+                  <a:srgbClr val="FFFFFF"/>
+                </a:highlight>
+                <a:latin typeface="Consolas" panose="020B0609020204030204" charset="0"/>
+                <a:ea typeface="宋体" panose="02010600030101010101" pitchFamily="2" charset="-122"/>
+              </a:rPr>
+              <a:t>%</a:t>
+            </a:r>
+            <a:r>
+              <a:rPr lang="en-US" b="0">
+                <a:solidFill>
+                  <a:srgbClr val="000000"/>
+                </a:solidFill>
+                <a:highlight>
+                  <a:srgbClr val="FFFFFF"/>
+                </a:highlight>
+                <a:latin typeface="Consolas" panose="020B0609020204030204" charset="0"/>
+                <a:ea typeface="宋体" panose="02010600030101010101" pitchFamily="2" charset="-122"/>
+              </a:rPr>
+              <a:t> </a:t>
+            </a:r>
+            <a:r>
+              <a:rPr lang="en-US" b="0">
+                <a:solidFill>
+                  <a:srgbClr val="FF8000"/>
+                </a:solidFill>
+                <a:highlight>
+                  <a:srgbClr val="FFFFFF"/>
+                </a:highlight>
+                <a:latin typeface="Consolas" panose="020B0609020204030204" charset="0"/>
+                <a:ea typeface="宋体" panose="02010600030101010101" pitchFamily="2" charset="-122"/>
+              </a:rPr>
+              <a:t>400</a:t>
+            </a:r>
+            <a:r>
+              <a:rPr lang="en-US" b="0">
+                <a:solidFill>
+                  <a:srgbClr val="000000"/>
+                </a:solidFill>
+                <a:highlight>
+                  <a:srgbClr val="FFFFFF"/>
+                </a:highlight>
+                <a:latin typeface="Consolas" panose="020B0609020204030204" charset="0"/>
+                <a:ea typeface="宋体" panose="02010600030101010101" pitchFamily="2" charset="-122"/>
+              </a:rPr>
+              <a:t> </a:t>
+            </a:r>
+            <a:r>
+              <a:rPr lang="en-US" b="1">
+                <a:solidFill>
+                  <a:srgbClr val="000080"/>
+                </a:solidFill>
+                <a:highlight>
+                  <a:srgbClr val="FFFFFF"/>
+                </a:highlight>
+                <a:latin typeface="Consolas" panose="020B0609020204030204" charset="0"/>
+                <a:ea typeface="宋体" panose="02010600030101010101" pitchFamily="2" charset="-122"/>
+              </a:rPr>
+              <a:t>==</a:t>
+            </a:r>
+            <a:r>
+              <a:rPr lang="en-US" b="0">
+                <a:solidFill>
+                  <a:srgbClr val="000000"/>
+                </a:solidFill>
+                <a:highlight>
+                  <a:srgbClr val="FFFFFF"/>
+                </a:highlight>
+                <a:latin typeface="Consolas" panose="020B0609020204030204" charset="0"/>
+                <a:ea typeface="宋体" panose="02010600030101010101" pitchFamily="2" charset="-122"/>
+              </a:rPr>
+              <a:t> </a:t>
+            </a:r>
+            <a:r>
+              <a:rPr lang="en-US" b="0">
+                <a:solidFill>
+                  <a:srgbClr val="FF8000"/>
+                </a:solidFill>
+                <a:highlight>
+                  <a:srgbClr val="FFFFFF"/>
+                </a:highlight>
+                <a:latin typeface="Consolas" panose="020B0609020204030204" charset="0"/>
+                <a:ea typeface="宋体" panose="02010600030101010101" pitchFamily="2" charset="-122"/>
+              </a:rPr>
+              <a:t>0</a:t>
             </a:r>
             <a:r>
               <a:rPr lang="en-US" b="1">
@@ -18625,7 +18960,7 @@
                 <a:latin typeface="Consolas" panose="020B0609020204030204" charset="0"/>
                 <a:ea typeface="宋体" panose="02010600030101010101" pitchFamily="2" charset="-122"/>
               </a:rPr>
-              <a:t>"minor\n"</a:t>
+              <a:t>"Leap year\n"</a:t>
             </a:r>
             <a:r>
               <a:rPr lang="en-US" b="1">
@@ -18759,7 +19094,7 @@
                 <a:latin typeface="Consolas" panose="020B0609020204030204" charset="0"/>
                 <a:ea typeface="宋体" panose="02010600030101010101" pitchFamily="2" charset="-122"/>
               </a:rPr>
-              <a:t>"adult\n"</a:t>
+              <a:t>"Common year\n"</a:t>
             </a:r>
             <a:r>
               <a:rPr lang="en-US" b="1">
@@ -18882,9 +19217,445 @@
           </a:p>
         </p:txBody>
       </p:sp>
+      <p:graphicFrame>
+        <p:nvGraphicFramePr>
+          <p:cNvPr id="8" name="表格 7"/>
+          <p:cNvGraphicFramePr/>
+          <p:nvPr>
+            <p:custDataLst>
+              <p:tags r:id="rId3"/>
+            </p:custDataLst>
+          </p:nvPr>
+        </p:nvGraphicFramePr>
+        <p:xfrm>
+          <a:off x="8047355" y="5748655"/>
+          <a:ext cx="2646045" cy="640080"/>
+        </p:xfrm>
+        <a:graphic>
+          <a:graphicData uri="http://schemas.openxmlformats.org/drawingml/2006/table">
+            <a:tbl>
+              <a:tblPr firstRow="1" bandRow="1">
+                <a:tableStyleId>{5C22544A-7EE6-4342-B048-85BDC9FD1C3A}</a:tableStyleId>
+              </a:tblPr>
+              <a:tblGrid>
+                <a:gridCol w="2646045"/>
+              </a:tblGrid>
+              <a:tr h="640080">
+                <a:tc>
+                  <a:txBody>
+                    <a:bodyPr/>
+                    <a:p>
+                      <a:pPr>
+                        <a:buNone/>
+                      </a:pPr>
+                      <a:r>
+                        <a:rPr lang="zh-CN" altLang="en-US" sz="1800" b="0">
+                          <a:solidFill>
+                            <a:schemeClr val="tx1"/>
+                          </a:solidFill>
+                          <a:latin typeface="Consolas" panose="020B0609020204030204" charset="0"/>
+                          <a:cs typeface="Consolas" panose="020B0609020204030204" charset="0"/>
+                          <a:sym typeface="+mn-ea"/>
+                        </a:rPr>
+                        <a:t>Enter a year: 2020</a:t>
+                      </a:r>
+                      <a:endParaRPr lang="zh-CN" altLang="en-US" sz="1800" b="0">
+                        <a:solidFill>
+                          <a:schemeClr val="tx1"/>
+                        </a:solidFill>
+                        <a:latin typeface="Consolas" panose="020B0609020204030204" charset="0"/>
+                        <a:cs typeface="Consolas" panose="020B0609020204030204" charset="0"/>
+                        <a:sym typeface="+mn-ea"/>
+                      </a:endParaRPr>
+                    </a:p>
+                    <a:p>
+                      <a:pPr>
+                        <a:buNone/>
+                      </a:pPr>
+                      <a:r>
+                        <a:rPr lang="zh-CN" altLang="en-US" sz="1800" b="0">
+                          <a:solidFill>
+                            <a:schemeClr val="tx1"/>
+                          </a:solidFill>
+                          <a:latin typeface="Consolas" panose="020B0609020204030204" charset="0"/>
+                          <a:cs typeface="Consolas" panose="020B0609020204030204" charset="0"/>
+                          <a:sym typeface="+mn-ea"/>
+                        </a:rPr>
+                        <a:t>Leap year</a:t>
+                      </a:r>
+                      <a:endParaRPr lang="zh-CN" altLang="en-US" sz="1800" b="0">
+                        <a:solidFill>
+                          <a:schemeClr val="tx1"/>
+                        </a:solidFill>
+                        <a:latin typeface="Consolas" panose="020B0609020204030204" charset="0"/>
+                        <a:cs typeface="Consolas" panose="020B0609020204030204" charset="0"/>
+                        <a:sym typeface="+mn-ea"/>
+                      </a:endParaRPr>
+                    </a:p>
+                  </a:txBody>
+                  <a:tcPr>
+                    <a:solidFill>
+                      <a:schemeClr val="accent6">
+                        <a:lumMod val="20000"/>
+                        <a:lumOff val="80000"/>
+                      </a:schemeClr>
+                    </a:solidFill>
+                  </a:tcPr>
+                </a:tc>
+              </a:tr>
+            </a:tbl>
+          </a:graphicData>
+        </a:graphic>
+      </p:graphicFrame>
+      <p:sp>
+        <p:nvSpPr>
+          <p:cNvPr id="3" name="文本占位符 5"/>
+          <p:cNvSpPr>
+            <a:spLocks noGrp="1"/>
+          </p:cNvSpPr>
+          <p:nvPr>
+            <p:custDataLst>
+              <p:tags r:id="rId4"/>
+            </p:custDataLst>
+          </p:nvPr>
+        </p:nvSpPr>
+        <p:spPr>
+          <a:xfrm>
+            <a:off x="380365" y="3975735"/>
+            <a:ext cx="3444240" cy="1470660"/>
+          </a:xfrm>
+          <a:prstGeom prst="rect">
+            <a:avLst/>
+          </a:prstGeom>
+        </p:spPr>
+        <p:txBody>
+          <a:bodyPr vert="horz" lIns="90000" tIns="46800" rIns="90000" bIns="46800" rtlCol="0">
+            <a:noAutofit/>
+          </a:bodyPr>
+          <a:lstStyle>
+            <a:lvl1pPr marL="0" indent="0" algn="l" defTabSz="914400" rtl="0" eaLnBrk="1" fontAlgn="auto" latinLnBrk="0" hangingPunct="1">
+              <a:lnSpc>
+                <a:spcPct val="130000"/>
+              </a:lnSpc>
+              <a:spcBef>
+                <a:spcPts val="0"/>
+              </a:spcBef>
+              <a:spcAft>
+                <a:spcPts val="1000"/>
+              </a:spcAft>
+              <a:buFont typeface="Arial" panose="020B0604020202020204" pitchFamily="34" charset="0"/>
+              <a:buNone/>
+              <a:defRPr sz="1600" u="none" strike="noStrike" kern="1200" cap="none" spc="150" normalizeH="0" baseline="0">
+                <a:solidFill>
+                  <a:schemeClr val="tx1">
+                    <a:lumMod val="85000"/>
+                    <a:lumOff val="15000"/>
+                  </a:schemeClr>
+                </a:solidFill>
+                <a:uFillTx/>
+                <a:latin typeface="Arial" panose="020B0604020202020204" pitchFamily="34" charset="0"/>
+                <a:ea typeface="微软雅黑" panose="020B0503020204020204" charset="-122"/>
+                <a:cs typeface="+mn-cs"/>
+              </a:defRPr>
+            </a:lvl1pPr>
+            <a:lvl2pPr marL="685800" indent="-228600" algn="l" defTabSz="914400" rtl="0" eaLnBrk="1" fontAlgn="auto" latinLnBrk="0" hangingPunct="1">
+              <a:lnSpc>
+                <a:spcPct val="130000"/>
+              </a:lnSpc>
+              <a:spcBef>
+                <a:spcPts val="0"/>
+              </a:spcBef>
+              <a:spcAft>
+                <a:spcPts val="1000"/>
+              </a:spcAft>
+              <a:buFont typeface="Arial" panose="020B0604020202020204" pitchFamily="34" charset="0"/>
+              <a:buChar char="•"/>
+              <a:tabLst>
+                <a:tab pos="1609725" algn="l"/>
+              </a:tabLst>
+              <a:defRPr sz="1600" u="none" strike="noStrike" kern="1200" cap="none" spc="150" normalizeH="0" baseline="0">
+                <a:solidFill>
+                  <a:schemeClr val="tx1">
+                    <a:lumMod val="85000"/>
+                    <a:lumOff val="15000"/>
+                  </a:schemeClr>
+                </a:solidFill>
+                <a:uFillTx/>
+                <a:latin typeface="Arial" panose="020B0604020202020204" pitchFamily="34" charset="0"/>
+                <a:ea typeface="微软雅黑" panose="020B0503020204020204" charset="-122"/>
+                <a:cs typeface="+mn-cs"/>
+              </a:defRPr>
+            </a:lvl2pPr>
+            <a:lvl3pPr marL="1143000" indent="-228600" algn="l" defTabSz="914400" rtl="0" eaLnBrk="1" fontAlgn="auto" latinLnBrk="0" hangingPunct="1">
+              <a:lnSpc>
+                <a:spcPct val="130000"/>
+              </a:lnSpc>
+              <a:spcBef>
+                <a:spcPts val="0"/>
+              </a:spcBef>
+              <a:spcAft>
+                <a:spcPts val="1000"/>
+              </a:spcAft>
+              <a:buFont typeface="Arial" panose="020B0604020202020204" pitchFamily="34" charset="0"/>
+              <a:buChar char="•"/>
+              <a:defRPr sz="1600" u="none" strike="noStrike" kern="1200" cap="none" spc="150" normalizeH="0" baseline="0">
+                <a:solidFill>
+                  <a:schemeClr val="tx1">
+                    <a:lumMod val="85000"/>
+                    <a:lumOff val="15000"/>
+                  </a:schemeClr>
+                </a:solidFill>
+                <a:uFillTx/>
+                <a:latin typeface="Arial" panose="020B0604020202020204" pitchFamily="34" charset="0"/>
+                <a:ea typeface="微软雅黑" panose="020B0503020204020204" charset="-122"/>
+                <a:cs typeface="+mn-cs"/>
+              </a:defRPr>
+            </a:lvl3pPr>
+            <a:lvl4pPr marL="1600200" indent="-228600" algn="l" defTabSz="914400" rtl="0" eaLnBrk="1" fontAlgn="auto" latinLnBrk="0" hangingPunct="1">
+              <a:lnSpc>
+                <a:spcPct val="130000"/>
+              </a:lnSpc>
+              <a:spcBef>
+                <a:spcPts val="0"/>
+              </a:spcBef>
+              <a:spcAft>
+                <a:spcPts val="1000"/>
+              </a:spcAft>
+              <a:buFont typeface="Arial" panose="020B0604020202020204" pitchFamily="34" charset="0"/>
+              <a:buChar char="•"/>
+              <a:defRPr sz="1600" u="none" strike="noStrike" kern="1200" cap="none" spc="150" normalizeH="0" baseline="0">
+                <a:solidFill>
+                  <a:schemeClr val="tx1">
+                    <a:lumMod val="85000"/>
+                    <a:lumOff val="15000"/>
+                  </a:schemeClr>
+                </a:solidFill>
+                <a:uFillTx/>
+                <a:latin typeface="Arial" panose="020B0604020202020204" pitchFamily="34" charset="0"/>
+                <a:ea typeface="微软雅黑" panose="020B0503020204020204" charset="-122"/>
+                <a:cs typeface="+mn-cs"/>
+              </a:defRPr>
+            </a:lvl4pPr>
+            <a:lvl5pPr marL="2057400" indent="-228600" algn="l" defTabSz="914400" rtl="0" eaLnBrk="1" fontAlgn="auto" latinLnBrk="0" hangingPunct="1">
+              <a:lnSpc>
+                <a:spcPct val="130000"/>
+              </a:lnSpc>
+              <a:spcBef>
+                <a:spcPts val="0"/>
+              </a:spcBef>
+              <a:spcAft>
+                <a:spcPts val="1000"/>
+              </a:spcAft>
+              <a:buFont typeface="Arial" panose="020B0604020202020204" pitchFamily="34" charset="0"/>
+              <a:buChar char="•"/>
+              <a:defRPr sz="1600" u="none" strike="noStrike" kern="1200" cap="none" spc="150" normalizeH="0" baseline="0">
+                <a:solidFill>
+                  <a:schemeClr val="tx1">
+                    <a:lumMod val="85000"/>
+                    <a:lumOff val="15000"/>
+                  </a:schemeClr>
+                </a:solidFill>
+                <a:uFillTx/>
+                <a:latin typeface="Arial" panose="020B0604020202020204" pitchFamily="34" charset="0"/>
+                <a:ea typeface="微软雅黑" panose="020B0503020204020204" charset="-122"/>
+                <a:cs typeface="+mn-cs"/>
+              </a:defRPr>
+            </a:lvl5pPr>
+            <a:lvl6pPr marL="2514600" indent="-228600" algn="l" defTabSz="914400" rtl="0" eaLnBrk="1" latinLnBrk="0" hangingPunct="1">
+              <a:lnSpc>
+                <a:spcPct val="90000"/>
+              </a:lnSpc>
+              <a:spcBef>
+                <a:spcPts val="500"/>
+              </a:spcBef>
+              <a:buFont typeface="Arial" panose="020B0604020202020204" pitchFamily="34" charset="0"/>
+              <a:buChar char="•"/>
+              <a:defRPr sz="1800" kern="1200">
+                <a:solidFill>
+                  <a:schemeClr val="tx1"/>
+                </a:solidFill>
+                <a:latin typeface="+mn-lt"/>
+                <a:ea typeface="+mn-ea"/>
+                <a:cs typeface="+mn-cs"/>
+              </a:defRPr>
+            </a:lvl6pPr>
+            <a:lvl7pPr marL="2971800" indent="-228600" algn="l" defTabSz="914400" rtl="0" eaLnBrk="1" latinLnBrk="0" hangingPunct="1">
+              <a:lnSpc>
+                <a:spcPct val="90000"/>
+              </a:lnSpc>
+              <a:spcBef>
+                <a:spcPts val="500"/>
+              </a:spcBef>
+              <a:buFont typeface="Arial" panose="020B0604020202020204" pitchFamily="34" charset="0"/>
+              <a:buChar char="•"/>
+              <a:defRPr sz="1800" kern="1200">
+                <a:solidFill>
+                  <a:schemeClr val="tx1"/>
+                </a:solidFill>
+                <a:latin typeface="+mn-lt"/>
+                <a:ea typeface="+mn-ea"/>
+                <a:cs typeface="+mn-cs"/>
+              </a:defRPr>
+            </a:lvl7pPr>
+            <a:lvl8pPr marL="3429000" indent="-228600" algn="l" defTabSz="914400" rtl="0" eaLnBrk="1" latinLnBrk="0" hangingPunct="1">
+              <a:lnSpc>
+                <a:spcPct val="90000"/>
+              </a:lnSpc>
+              <a:spcBef>
+                <a:spcPts val="500"/>
+              </a:spcBef>
+              <a:buFont typeface="Arial" panose="020B0604020202020204" pitchFamily="34" charset="0"/>
+              <a:buChar char="•"/>
+              <a:defRPr sz="1800" kern="1200">
+                <a:solidFill>
+                  <a:schemeClr val="tx1"/>
+                </a:solidFill>
+                <a:latin typeface="+mn-lt"/>
+                <a:ea typeface="+mn-ea"/>
+                <a:cs typeface="+mn-cs"/>
+              </a:defRPr>
+            </a:lvl8pPr>
+            <a:lvl9pPr marL="3886200" indent="-228600" algn="l" defTabSz="914400" rtl="0" eaLnBrk="1" latinLnBrk="0" hangingPunct="1">
+              <a:lnSpc>
+                <a:spcPct val="90000"/>
+              </a:lnSpc>
+              <a:spcBef>
+                <a:spcPts val="500"/>
+              </a:spcBef>
+              <a:buFont typeface="Arial" panose="020B0604020202020204" pitchFamily="34" charset="0"/>
+              <a:buChar char="•"/>
+              <a:defRPr sz="1800" kern="1200">
+                <a:solidFill>
+                  <a:schemeClr val="tx1"/>
+                </a:solidFill>
+                <a:latin typeface="+mn-lt"/>
+                <a:ea typeface="+mn-ea"/>
+                <a:cs typeface="+mn-cs"/>
+              </a:defRPr>
+            </a:lvl9pPr>
+          </a:lstStyle>
+          <a:p>
+            <a:r>
+              <a:rPr lang="zh-CN">
+                <a:solidFill>
+                  <a:srgbClr val="FF0000"/>
+                </a:solidFill>
+                <a:latin typeface="+mn-lt"/>
+                <a:cs typeface="+mn-lt"/>
+              </a:rPr>
+              <a:t>闰年：</a:t>
+            </a:r>
+            <a:endParaRPr lang="zh-CN">
+              <a:solidFill>
+                <a:srgbClr val="FF0000"/>
+              </a:solidFill>
+              <a:latin typeface="+mn-lt"/>
+              <a:cs typeface="+mn-lt"/>
+            </a:endParaRPr>
+          </a:p>
+          <a:p>
+            <a:r>
+              <a:rPr lang="en-US" altLang="zh-CN">
+                <a:solidFill>
+                  <a:srgbClr val="FF0000"/>
+                </a:solidFill>
+                <a:latin typeface="+mn-lt"/>
+                <a:cs typeface="+mn-lt"/>
+              </a:rPr>
+              <a:t>1. 4</a:t>
+            </a:r>
+            <a:r>
+              <a:rPr lang="zh-CN" altLang="en-US">
+                <a:solidFill>
+                  <a:srgbClr val="FF0000"/>
+                </a:solidFill>
+                <a:latin typeface="+mn-lt"/>
+                <a:cs typeface="+mn-lt"/>
+              </a:rPr>
+              <a:t>的倍数，但不是</a:t>
+            </a:r>
+            <a:r>
+              <a:rPr lang="en-US" altLang="zh-CN">
+                <a:solidFill>
+                  <a:srgbClr val="FF0000"/>
+                </a:solidFill>
+                <a:latin typeface="+mn-lt"/>
+                <a:cs typeface="+mn-lt"/>
+              </a:rPr>
+              <a:t>100</a:t>
+            </a:r>
+            <a:r>
+              <a:rPr lang="zh-CN" altLang="en-US">
+                <a:solidFill>
+                  <a:srgbClr val="FF0000"/>
+                </a:solidFill>
+                <a:latin typeface="+mn-lt"/>
+                <a:cs typeface="+mn-lt"/>
+              </a:rPr>
+              <a:t>的倍数；</a:t>
+            </a:r>
+            <a:endParaRPr lang="zh-CN" altLang="en-US">
+              <a:solidFill>
+                <a:srgbClr val="FF0000"/>
+              </a:solidFill>
+              <a:latin typeface="+mn-lt"/>
+              <a:cs typeface="+mn-lt"/>
+            </a:endParaRPr>
+          </a:p>
+          <a:p>
+            <a:r>
+              <a:rPr lang="en-US" altLang="zh-CN">
+                <a:solidFill>
+                  <a:srgbClr val="FF0000"/>
+                </a:solidFill>
+                <a:latin typeface="+mn-lt"/>
+                <a:cs typeface="+mn-lt"/>
+              </a:rPr>
+              <a:t>2. </a:t>
+            </a:r>
+            <a:r>
+              <a:rPr lang="zh-CN" altLang="en-US">
+                <a:solidFill>
+                  <a:srgbClr val="FF0000"/>
+                </a:solidFill>
+                <a:latin typeface="+mn-lt"/>
+                <a:cs typeface="+mn-lt"/>
+              </a:rPr>
+              <a:t>或</a:t>
+            </a:r>
+            <a:r>
+              <a:rPr lang="en-US" altLang="zh-CN">
+                <a:solidFill>
+                  <a:srgbClr val="FF0000"/>
+                </a:solidFill>
+                <a:latin typeface="+mn-lt"/>
+                <a:cs typeface="+mn-lt"/>
+              </a:rPr>
+              <a:t>400</a:t>
+            </a:r>
+            <a:r>
+              <a:rPr lang="zh-CN" altLang="en-US">
+                <a:solidFill>
+                  <a:srgbClr val="FF0000"/>
+                </a:solidFill>
+                <a:latin typeface="+mn-lt"/>
+                <a:cs typeface="+mn-lt"/>
+              </a:rPr>
+              <a:t>的倍数</a:t>
+            </a:r>
+            <a:endParaRPr lang="zh-CN" altLang="en-US">
+              <a:solidFill>
+                <a:srgbClr val="FF0000"/>
+              </a:solidFill>
+              <a:latin typeface="+mn-lt"/>
+              <a:cs typeface="+mn-lt"/>
+            </a:endParaRPr>
+          </a:p>
+        </p:txBody>
+      </p:sp>
     </p:spTree>
     <p:custDataLst>
-      <p:tags r:id="rId3"/>
+      <p:tags r:id="rId5"/>
     </p:custDataLst>
   </p:cSld>
   <p:clrMapOvr>
@@ -18979,14 +19750,14 @@
       </p:sp>
       <p:sp>
         <p:nvSpPr>
-          <p:cNvPr id="3" name="文本框 2"/>
+          <p:cNvPr id="2" name="文本框 1"/>
           <p:cNvSpPr txBox="1"/>
           <p:nvPr/>
         </p:nvSpPr>
         <p:spPr>
           <a:xfrm>
-            <a:off x="6294120" y="1028700"/>
-            <a:ext cx="4633595" cy="5631180"/>
+            <a:off x="5923280" y="1052195"/>
+            <a:ext cx="5080000" cy="5354320"/>
           </a:xfrm>
           <a:prstGeom prst="rect">
             <a:avLst/>
@@ -18997,14 +19768,146 @@
           </a:ln>
         </p:spPr>
         <p:txBody>
-          <a:bodyPr wrap="square">
+          <a:bodyPr>
             <a:spAutoFit/>
           </a:bodyPr>
           <a:p>
             <a:pPr indent="0"/>
             <a:r>
+              <a:rPr lang="en-US" b="0">
+                <a:solidFill>
+                  <a:srgbClr val="000000"/>
+                </a:solidFill>
+                <a:highlight>
+                  <a:srgbClr val="FFFFFF"/>
+                </a:highlight>
+                <a:latin typeface="Consolas" panose="020B0609020204030204" charset="0"/>
+                <a:ea typeface="宋体" panose="02010600030101010101" pitchFamily="2" charset="-122"/>
+              </a:rPr>
+              <a:t>printf</a:t>
+            </a:r>
+            <a:r>
               <a:rPr lang="en-US" b="1">
                 <a:solidFill>
+                  <a:srgbClr val="000080"/>
+                </a:solidFill>
+                <a:highlight>
+                  <a:srgbClr val="FFFFFF"/>
+                </a:highlight>
+                <a:latin typeface="Consolas" panose="020B0609020204030204" charset="0"/>
+                <a:ea typeface="宋体" panose="02010600030101010101" pitchFamily="2" charset="-122"/>
+              </a:rPr>
+              <a:t>(</a:t>
+            </a:r>
+            <a:r>
+              <a:rPr lang="en-US" b="0">
+                <a:solidFill>
+                  <a:srgbClr val="808080"/>
+                </a:solidFill>
+                <a:highlight>
+                  <a:srgbClr val="FFFFFF"/>
+                </a:highlight>
+                <a:latin typeface="Consolas" panose="020B0609020204030204" charset="0"/>
+                <a:ea typeface="宋体" panose="02010600030101010101" pitchFamily="2" charset="-122"/>
+              </a:rPr>
+              <a:t>"Enter a character: "</a:t>
+            </a:r>
+            <a:r>
+              <a:rPr lang="en-US" b="1">
+                <a:solidFill>
+                  <a:srgbClr val="000080"/>
+                </a:solidFill>
+                <a:highlight>
+                  <a:srgbClr val="FFFFFF"/>
+                </a:highlight>
+                <a:latin typeface="Consolas" panose="020B0609020204030204" charset="0"/>
+                <a:ea typeface="宋体" panose="02010600030101010101" pitchFamily="2" charset="-122"/>
+              </a:rPr>
+              <a:t>);</a:t>
+            </a:r>
+            <a:r>
+              <a:rPr lang="en-US" b="0">
+                <a:solidFill>
+                  <a:srgbClr val="8000FF"/>
+                </a:solidFill>
+                <a:highlight>
+                  <a:srgbClr val="FFFFFF"/>
+                </a:highlight>
+                <a:latin typeface="Consolas" panose="020B0609020204030204" charset="0"/>
+                <a:ea typeface="宋体" panose="02010600030101010101" pitchFamily="2" charset="-122"/>
+              </a:rPr>
+              <a:t>+char</a:t>
+            </a:r>
+            <a:r>
+              <a:rPr lang="en-US" b="0">
+                <a:solidFill>
+                  <a:srgbClr val="000000"/>
+                </a:solidFill>
+                <a:highlight>
+                  <a:srgbClr val="FFFFFF"/>
+                </a:highlight>
+                <a:latin typeface="Consolas" panose="020B0609020204030204" charset="0"/>
+                <a:ea typeface="宋体" panose="02010600030101010101" pitchFamily="2" charset="-122"/>
+              </a:rPr>
+              <a:t> c </a:t>
+            </a:r>
+            <a:r>
+              <a:rPr lang="en-US" b="1">
+                <a:solidFill>
+                  <a:srgbClr val="000080"/>
+                </a:solidFill>
+                <a:highlight>
+                  <a:srgbClr val="FFFFFF"/>
+                </a:highlight>
+                <a:latin typeface="Consolas" panose="020B0609020204030204" charset="0"/>
+                <a:ea typeface="宋体" panose="02010600030101010101" pitchFamily="2" charset="-122"/>
+              </a:rPr>
+              <a:t>=</a:t>
+            </a:r>
+            <a:r>
+              <a:rPr lang="en-US" b="0">
+                <a:solidFill>
+                  <a:srgbClr val="000000"/>
+                </a:solidFill>
+                <a:highlight>
+                  <a:srgbClr val="FFFFFF"/>
+                </a:highlight>
+                <a:latin typeface="Consolas" panose="020B0609020204030204" charset="0"/>
+                <a:ea typeface="宋体" panose="02010600030101010101" pitchFamily="2" charset="-122"/>
+              </a:rPr>
+              <a:t> getchar</a:t>
+            </a:r>
+            <a:r>
+              <a:rPr lang="en-US" b="1">
+                <a:solidFill>
+                  <a:srgbClr val="000080"/>
+                </a:solidFill>
+                <a:highlight>
+                  <a:srgbClr val="FFFFFF"/>
+                </a:highlight>
+                <a:latin typeface="Consolas" panose="020B0609020204030204" charset="0"/>
+                <a:ea typeface="宋体" panose="02010600030101010101" pitchFamily="2" charset="-122"/>
+              </a:rPr>
+              <a:t>();</a:t>
+            </a:r>
+            <a:r>
+              <a:rPr lang="en-US" b="0">
+                <a:solidFill>
+                  <a:srgbClr val="000000"/>
+                </a:solidFill>
+                <a:highlight>
+                  <a:srgbClr val="FFFFFF"/>
+                </a:highlight>
+                <a:latin typeface="Consolas" panose="020B0609020204030204" charset="0"/>
+                <a:ea typeface="宋体" panose="02010600030101010101" pitchFamily="2" charset="-122"/>
+              </a:rPr>
+              <a:t>+ </a:t>
+            </a:r>
+            <a:r>
+              <a:rPr lang="en-US" b="1">
+                <a:solidFill>
                   <a:srgbClr val="0000FF"/>
                 </a:solidFill>
                 <a:highlight>
@@ -19013,7 +19916,8 @@
                 <a:latin typeface="Consolas" panose="020B0609020204030204" charset="0"/>
                 <a:ea typeface="宋体" panose="02010600030101010101" pitchFamily="2" charset="-122"/>
               </a:rPr>
-              <a:t>if</a:t>
+              <a:t>+if</a:t>
             </a:r>
             <a:r>
               <a:rPr lang="en-US" b="1">
@@ -19039,7 +19943,7 @@
                 <a:latin typeface="Consolas" panose="020B0609020204030204" charset="0"/>
                 <a:ea typeface="宋体" panose="02010600030101010101" pitchFamily="2" charset="-122"/>
               </a:rPr>
-              <a:t>age </a:t>
+              <a:t>c </a:t>
             </a:r>
             <a:r>
               <a:rPr lang="en-US" b="1">
@@ -19052,7 +19956,7 @@
                 <a:latin typeface="Consolas" panose="020B0609020204030204" charset="0"/>
                 <a:ea typeface="宋体" panose="02010600030101010101" pitchFamily="2" charset="-122"/>
               </a:rPr>
-              <a:t>&gt;</a:t>
+              <a:t>&gt;=</a:t>
             </a:r>
             <a:r>
               <a:rPr lang="en-US" b="0">
@@ -19070,15 +19974,15 @@
             <a:r>
               <a:rPr lang="en-US" b="0">
                 <a:solidFill>
-                  <a:srgbClr val="FF8000"/>
-                </a:solidFill>
-                <a:highlight>
-                  <a:srgbClr val="FFFFFF"/>
-                </a:highlight>
-                <a:latin typeface="Consolas" panose="020B0609020204030204" charset="0"/>
-                <a:ea typeface="宋体" panose="02010600030101010101" pitchFamily="2" charset="-122"/>
-              </a:rPr>
-              <a:t>0</a:t>
+                  <a:srgbClr val="808080"/>
+                </a:solidFill>
+                <a:highlight>
+                  <a:srgbClr val="FFFFFF"/>
+                </a:highlight>
+                <a:latin typeface="Consolas" panose="020B0609020204030204" charset="0"/>
+                <a:ea typeface="宋体" panose="02010600030101010101" pitchFamily="2" charset="-122"/>
+              </a:rPr>
+              <a:t>'a'</a:t>
             </a:r>
             <a:r>
               <a:rPr lang="en-US" b="0">
@@ -19117,7 +20021,7 @@
                 <a:latin typeface="Consolas" panose="020B0609020204030204" charset="0"/>
                 <a:ea typeface="宋体" panose="02010600030101010101" pitchFamily="2" charset="-122"/>
               </a:rPr>
-              <a:t> age </a:t>
+              <a:t> c </a:t>
             </a:r>
             <a:r>
               <a:rPr lang="en-US" b="1">
@@ -19130,7 +20034,7 @@
                 <a:latin typeface="Consolas" panose="020B0609020204030204" charset="0"/>
                 <a:ea typeface="宋体" panose="02010600030101010101" pitchFamily="2" charset="-122"/>
               </a:rPr>
-              <a:t>&lt;</a:t>
+              <a:t>&lt;=</a:t>
             </a:r>
             <a:r>
               <a:rPr lang="en-US" b="0">
@@ -19148,15 +20052,15 @@
             <a:r>
               <a:rPr lang="en-US" b="0">
                 <a:solidFill>
-                  <a:srgbClr val="FF8000"/>
-                </a:solidFill>
-                <a:highlight>
-                  <a:srgbClr val="FFFFFF"/>
-                </a:highlight>
-                <a:latin typeface="Consolas" panose="020B0609020204030204" charset="0"/>
-                <a:ea typeface="宋体" panose="02010600030101010101" pitchFamily="2" charset="-122"/>
-              </a:rPr>
-              <a:t>18</a:t>
+                  <a:srgbClr val="808080"/>
+                </a:solidFill>
+                <a:highlight>
+                  <a:srgbClr val="FFFFFF"/>
+                </a:highlight>
+                <a:latin typeface="Consolas" panose="020B0609020204030204" charset="0"/>
+                <a:ea typeface="宋体" panose="02010600030101010101" pitchFamily="2" charset="-122"/>
+              </a:rPr>
+              <a:t>'z'</a:t>
             </a:r>
             <a:r>
               <a:rPr lang="en-US" b="1">
@@ -19210,7 +20114,7 @@
                 <a:latin typeface="Consolas" panose="020B0609020204030204" charset="0"/>
                 <a:ea typeface="宋体" panose="02010600030101010101" pitchFamily="2" charset="-122"/>
               </a:rPr>
-              <a:t>"minor\n"</a:t>
+              <a:t>"Lowercase\n"</a:t>
             </a:r>
             <a:r>
               <a:rPr lang="en-US" b="1">
@@ -19290,7 +20194,7 @@
                 <a:latin typeface="Consolas" panose="020B0609020204030204" charset="0"/>
                 <a:ea typeface="宋体" panose="02010600030101010101" pitchFamily="2" charset="-122"/>
               </a:rPr>
-              <a:t>age </a:t>
+              <a:t>c </a:t>
             </a:r>
             <a:r>
               <a:rPr lang="en-US" b="1">
@@ -19321,15 +20225,15 @@
             <a:r>
               <a:rPr lang="en-US" b="0">
                 <a:solidFill>
-                  <a:srgbClr val="FF8000"/>
-                </a:solidFill>
-                <a:highlight>
-                  <a:srgbClr val="FFFFFF"/>
-                </a:highlight>
-                <a:latin typeface="Consolas" panose="020B0609020204030204" charset="0"/>
-                <a:ea typeface="宋体" panose="02010600030101010101" pitchFamily="2" charset="-122"/>
-              </a:rPr>
-              <a:t>18</a:t>
+                  <a:srgbClr val="808080"/>
+                </a:solidFill>
+                <a:highlight>
+                  <a:srgbClr val="FFFFFF"/>
+                </a:highlight>
+                <a:latin typeface="Consolas" panose="020B0609020204030204" charset="0"/>
+                <a:ea typeface="宋体" panose="02010600030101010101" pitchFamily="2" charset="-122"/>
+              </a:rPr>
+              <a:t>'A'</a:t>
             </a:r>
             <a:r>
               <a:rPr lang="en-US" b="0">
@@ -19368,7 +20272,7 @@
                 <a:latin typeface="Consolas" panose="020B0609020204030204" charset="0"/>
                 <a:ea typeface="宋体" panose="02010600030101010101" pitchFamily="2" charset="-122"/>
               </a:rPr>
-              <a:t> age </a:t>
+              <a:t> c </a:t>
             </a:r>
             <a:r>
               <a:rPr lang="en-US" b="1">
@@ -19399,15 +20303,15 @@
             <a:r>
               <a:rPr lang="en-US" b="0">
                 <a:solidFill>
-                  <a:srgbClr val="FF8000"/>
-                </a:solidFill>
-                <a:highlight>
-                  <a:srgbClr val="FFFFFF"/>
-                </a:highlight>
-                <a:latin typeface="Consolas" panose="020B0609020204030204" charset="0"/>
-                <a:ea typeface="宋体" panose="02010600030101010101" pitchFamily="2" charset="-122"/>
-              </a:rPr>
-              <a:t>30</a:t>
+                  <a:srgbClr val="808080"/>
+                </a:solidFill>
+                <a:highlight>
+                  <a:srgbClr val="FFFFFF"/>
+                </a:highlight>
+                <a:latin typeface="Consolas" panose="020B0609020204030204" charset="0"/>
+                <a:ea typeface="宋体" panose="02010600030101010101" pitchFamily="2" charset="-122"/>
+              </a:rPr>
+              <a:t>'Z'</a:t>
             </a:r>
             <a:r>
               <a:rPr lang="en-US" b="1">
@@ -19461,7 +20365,7 @@
                 <a:latin typeface="Consolas" panose="020B0609020204030204" charset="0"/>
                 <a:ea typeface="宋体" panose="02010600030101010101" pitchFamily="2" charset="-122"/>
               </a:rPr>
-              <a:t>"yound adult\n"</a:t>
+              <a:t>"Uppercase\n"</a:t>
             </a:r>
             <a:r>
               <a:rPr lang="en-US" b="1">
@@ -19541,7 +20445,7 @@
                 <a:latin typeface="Consolas" panose="020B0609020204030204" charset="0"/>
                 <a:ea typeface="宋体" panose="02010600030101010101" pitchFamily="2" charset="-122"/>
               </a:rPr>
-              <a:t>age </a:t>
+              <a:t>c </a:t>
             </a:r>
             <a:r>
               <a:rPr lang="en-US" b="1">
@@ -19572,15 +20476,15 @@
             <a:r>
               <a:rPr lang="en-US" b="0">
                 <a:solidFill>
-                  <a:srgbClr val="FF8000"/>
-                </a:solidFill>
-                <a:highlight>
-                  <a:srgbClr val="FFFFFF"/>
-                </a:highlight>
-                <a:latin typeface="Consolas" panose="020B0609020204030204" charset="0"/>
-                <a:ea typeface="宋体" panose="02010600030101010101" pitchFamily="2" charset="-122"/>
-              </a:rPr>
-              <a:t>31</a:t>
+                  <a:srgbClr val="808080"/>
+                </a:solidFill>
+                <a:highlight>
+                  <a:srgbClr val="FFFFFF"/>
+                </a:highlight>
+                <a:latin typeface="Consolas" panose="020B0609020204030204" charset="0"/>
+                <a:ea typeface="宋体" panose="02010600030101010101" pitchFamily="2" charset="-122"/>
+              </a:rPr>
+              <a:t>'0'</a:t>
             </a:r>
             <a:r>
               <a:rPr lang="en-US" b="0">
@@ -19619,7 +20523,7 @@
                 <a:latin typeface="Consolas" panose="020B0609020204030204" charset="0"/>
                 <a:ea typeface="宋体" panose="02010600030101010101" pitchFamily="2" charset="-122"/>
               </a:rPr>
-              <a:t> age </a:t>
+              <a:t> c </a:t>
             </a:r>
             <a:r>
               <a:rPr lang="en-US" b="1">
@@ -19650,15 +20554,15 @@
             <a:r>
               <a:rPr lang="en-US" b="0">
                 <a:solidFill>
-                  <a:srgbClr val="FF8000"/>
-                </a:solidFill>
-                <a:highlight>
-                  <a:srgbClr val="FFFFFF"/>
-                </a:highlight>
-                <a:latin typeface="Consolas" panose="020B0609020204030204" charset="0"/>
-                <a:ea typeface="宋体" panose="02010600030101010101" pitchFamily="2" charset="-122"/>
-              </a:rPr>
-              <a:t>60</a:t>
+                  <a:srgbClr val="808080"/>
+                </a:solidFill>
+                <a:highlight>
+                  <a:srgbClr val="FFFFFF"/>
+                </a:highlight>
+                <a:latin typeface="Consolas" panose="020B0609020204030204" charset="0"/>
+                <a:ea typeface="宋体" panose="02010600030101010101" pitchFamily="2" charset="-122"/>
+              </a:rPr>
+              <a:t>'9'</a:t>
             </a:r>
             <a:r>
               <a:rPr lang="en-US" b="1">
@@ -19712,7 +20616,7 @@
                 <a:latin typeface="Consolas" panose="020B0609020204030204" charset="0"/>
                 <a:ea typeface="宋体" panose="02010600030101010101" pitchFamily="2" charset="-122"/>
               </a:rPr>
-              <a:t>"middle-aged\n"</a:t>
+              <a:t>"Digit\n"</a:t>
             </a:r>
             <a:r>
               <a:rPr lang="en-US" b="1">
@@ -19743,34 +20647,8 @@
 else</a:t>
             </a:r>
             <a:r>
-              <a:rPr lang="en-US" b="0">
-                <a:solidFill>
-                  <a:srgbClr val="000000"/>
-                </a:solidFill>
-                <a:highlight>
-                  <a:srgbClr val="FFFFFF"/>
-                </a:highlight>
-                <a:latin typeface="Consolas" panose="020B0609020204030204" charset="0"/>
-                <a:ea typeface="宋体" panose="02010600030101010101" pitchFamily="2" charset="-122"/>
-              </a:rPr>
-              <a:t> </a:t>
-            </a:r>
-            <a:r>
               <a:rPr lang="en-US" b="1">
                 <a:solidFill>
-                  <a:srgbClr val="0000FF"/>
-                </a:solidFill>
-                <a:highlight>
-                  <a:srgbClr val="FFFFFF"/>
-                </a:highlight>
-                <a:latin typeface="Consolas" panose="020B0609020204030204" charset="0"/>
-                <a:ea typeface="宋体" panose="02010600030101010101" pitchFamily="2" charset="-122"/>
-              </a:rPr>
-              <a:t>if</a:t>
-            </a:r>
-            <a:r>
-              <a:rPr lang="en-US" b="1">
-                <a:solidFill>
                   <a:srgbClr val="000080"/>
                 </a:solidFill>
                 <a:highlight>
@@ -19779,150 +20657,7 @@
                 <a:latin typeface="Consolas" panose="020B0609020204030204" charset="0"/>
                 <a:ea typeface="宋体" panose="02010600030101010101" pitchFamily="2" charset="-122"/>
               </a:rPr>
-              <a:t>(</a:t>
-            </a:r>
-            <a:r>
-              <a:rPr lang="en-US" b="0">
-                <a:solidFill>
-                  <a:srgbClr val="000000"/>
-                </a:solidFill>
-                <a:highlight>
-                  <a:srgbClr val="FFFFFF"/>
-                </a:highlight>
-                <a:latin typeface="Consolas" panose="020B0609020204030204" charset="0"/>
-                <a:ea typeface="宋体" panose="02010600030101010101" pitchFamily="2" charset="-122"/>
-              </a:rPr>
-              <a:t>age </a:t>
-            </a:r>
-            <a:r>
-              <a:rPr lang="en-US" b="1">
-                <a:solidFill>
-                  <a:srgbClr val="000080"/>
-                </a:solidFill>
-                <a:highlight>
-                  <a:srgbClr val="FFFFFF"/>
-                </a:highlight>
-                <a:latin typeface="Consolas" panose="020B0609020204030204" charset="0"/>
-                <a:ea typeface="宋体" panose="02010600030101010101" pitchFamily="2" charset="-122"/>
-              </a:rPr>
-              <a:t>&gt;=</a:t>
-            </a:r>
-            <a:r>
-              <a:rPr lang="en-US" b="0">
-                <a:solidFill>
-                  <a:srgbClr val="000000"/>
-                </a:solidFill>
-                <a:highlight>
-                  <a:srgbClr val="FFFFFF"/>
-                </a:highlight>
-                <a:latin typeface="Consolas" panose="020B0609020204030204" charset="0"/>
-                <a:ea typeface="宋体" panose="02010600030101010101" pitchFamily="2" charset="-122"/>
-              </a:rPr>
-              <a:t> </a:t>
-            </a:r>
-            <a:r>
-              <a:rPr lang="en-US" b="0">
-                <a:solidFill>
-                  <a:srgbClr val="FF8000"/>
-                </a:solidFill>
-                <a:highlight>
-                  <a:srgbClr val="FFFFFF"/>
-                </a:highlight>
-                <a:latin typeface="Consolas" panose="020B0609020204030204" charset="0"/>
-                <a:ea typeface="宋体" panose="02010600030101010101" pitchFamily="2" charset="-122"/>
-              </a:rPr>
-              <a:t>61</a:t>
-            </a:r>
-            <a:r>
-              <a:rPr lang="en-US" b="0">
-                <a:solidFill>
-                  <a:srgbClr val="000000"/>
-                </a:solidFill>
-                <a:highlight>
-                  <a:srgbClr val="FFFFFF"/>
-                </a:highlight>
-                <a:latin typeface="Consolas" panose="020B0609020204030204" charset="0"/>
-                <a:ea typeface="宋体" panose="02010600030101010101" pitchFamily="2" charset="-122"/>
-              </a:rPr>
-              <a:t> </a:t>
-            </a:r>
-            <a:r>
-              <a:rPr lang="en-US" b="1">
-                <a:solidFill>
-                  <a:srgbClr val="000080"/>
-                </a:solidFill>
-                <a:highlight>
-                  <a:srgbClr val="FFFFFF"/>
-                </a:highlight>
-                <a:latin typeface="Consolas" panose="020B0609020204030204" charset="0"/>
-                <a:ea typeface="宋体" panose="02010600030101010101" pitchFamily="2" charset="-122"/>
-              </a:rPr>
-              <a:t>&amp;&amp;</a:t>
-            </a:r>
-            <a:r>
-              <a:rPr lang="en-US" b="0">
-                <a:solidFill>
-                  <a:srgbClr val="000000"/>
-                </a:solidFill>
-                <a:highlight>
-                  <a:srgbClr val="FFFFFF"/>
-                </a:highlight>
-                <a:latin typeface="Consolas" panose="020B0609020204030204" charset="0"/>
-                <a:ea typeface="宋体" panose="02010600030101010101" pitchFamily="2" charset="-122"/>
-              </a:rPr>
-              <a:t> age </a:t>
-            </a:r>
-            <a:r>
-              <a:rPr lang="en-US" b="1">
-                <a:solidFill>
-                  <a:srgbClr val="000080"/>
-                </a:solidFill>
-                <a:highlight>
-                  <a:srgbClr val="FFFFFF"/>
-                </a:highlight>
-                <a:latin typeface="Consolas" panose="020B0609020204030204" charset="0"/>
-                <a:ea typeface="宋体" panose="02010600030101010101" pitchFamily="2" charset="-122"/>
-              </a:rPr>
-              <a:t>&lt;=</a:t>
-            </a:r>
-            <a:r>
-              <a:rPr lang="en-US" b="0">
-                <a:solidFill>
-                  <a:srgbClr val="000000"/>
-                </a:solidFill>
-                <a:highlight>
-                  <a:srgbClr val="FFFFFF"/>
-                </a:highlight>
-                <a:latin typeface="Consolas" panose="020B0609020204030204" charset="0"/>
-                <a:ea typeface="宋体" panose="02010600030101010101" pitchFamily="2" charset="-122"/>
-              </a:rPr>
-              <a:t> </a:t>
-            </a:r>
-            <a:r>
-              <a:rPr lang="en-US" b="0">
-                <a:solidFill>
-                  <a:srgbClr val="FF8000"/>
-                </a:solidFill>
-                <a:highlight>
-                  <a:srgbClr val="FFFFFF"/>
-                </a:highlight>
-                <a:latin typeface="Consolas" panose="020B0609020204030204" charset="0"/>
-                <a:ea typeface="宋体" panose="02010600030101010101" pitchFamily="2" charset="-122"/>
-              </a:rPr>
-              <a:t>120</a:t>
-            </a:r>
-            <a:r>
-              <a:rPr lang="en-US" b="1">
-                <a:solidFill>
-                  <a:srgbClr val="000080"/>
-                </a:solidFill>
-                <a:highlight>
-                  <a:srgbClr val="FFFFFF"/>
-                </a:highlight>
-                <a:latin typeface="Consolas" panose="020B0609020204030204" charset="0"/>
-                <a:ea typeface="宋体" panose="02010600030101010101" pitchFamily="2" charset="-122"/>
-              </a:rPr>
-              <a:t>)+              <a:t> {</a:t>
             </a:r>
             <a:r>
@@ -19963,89 +20698,7 @@
                 <a:latin typeface="Consolas" panose="020B0609020204030204" charset="0"/>
                 <a:ea typeface="宋体" panose="02010600030101010101" pitchFamily="2" charset="-122"/>
               </a:rPr>
-              <a:t>"senior\n"</a:t>
-            </a:r>
-            <a:r>
-              <a:rPr lang="en-US" b="1">
-                <a:solidFill>
-                  <a:srgbClr val="000080"/>
-                </a:solidFill>
-                <a:highlight>
-                  <a:srgbClr val="FFFFFF"/>
-                </a:highlight>
-                <a:latin typeface="Consolas" panose="020B0609020204030204" charset="0"/>
-                <a:ea typeface="宋体" panose="02010600030101010101" pitchFamily="2" charset="-122"/>
-              </a:rPr>
-              <a:t>);-}</a:t>
-            </a:r>
-            <a:r>
-              <a:rPr lang="en-US" b="1">
-                <a:solidFill>
-                  <a:srgbClr val="0000FF"/>
-                </a:solidFill>
-                <a:highlight>
-                  <a:srgbClr val="FFFFFF"/>
-                </a:highlight>
-                <a:latin typeface="Consolas" panose="020B0609020204030204" charset="0"/>
-                <a:ea typeface="宋体" panose="02010600030101010101" pitchFamily="2" charset="-122"/>
-              </a:rPr>
-              <a:t>-else</a:t>
-            </a:r>
-            <a:r>
-              <a:rPr lang="en-US" b="1">
-                <a:solidFill>
-                  <a:srgbClr val="000080"/>
-                </a:solidFill>
-                <a:highlight>
-                  <a:srgbClr val="FFFFFF"/>
-                </a:highlight>
-                <a:latin typeface="Consolas" panose="020B0609020204030204" charset="0"/>
-                <a:ea typeface="宋体" panose="02010600030101010101" pitchFamily="2" charset="-122"/>
-              </a:rPr>
-              <a:t>-{</a:t>
-            </a:r>
-            <a:r>
-              <a:rPr lang="en-US" b="0">
-                <a:solidFill>
-                  <a:srgbClr val="000000"/>
-                </a:solidFill>
-                <a:highlight>
-                  <a:srgbClr val="FFFFFF"/>
-                </a:highlight>
-                <a:latin typeface="Consolas" panose="020B0609020204030204" charset="0"/>
-                <a:ea typeface="宋体" panose="02010600030101010101" pitchFamily="2" charset="-122"/>
-              </a:rPr>
-              <a:t>-    printf</a:t>
-            </a:r>
-            <a:r>
-              <a:rPr lang="en-US" b="1">
-                <a:solidFill>
-                  <a:srgbClr val="000080"/>
-                </a:solidFill>
-                <a:highlight>
-                  <a:srgbClr val="FFFFFF"/>
-                </a:highlight>
-                <a:latin typeface="Consolas" panose="020B0609020204030204" charset="0"/>
-                <a:ea typeface="宋体" panose="02010600030101010101" pitchFamily="2" charset="-122"/>
-              </a:rPr>
-              <a:t>(</a:t>
-            </a:r>
-            <a:r>
-              <a:rPr lang="en-US" b="0">
-                <a:solidFill>
-                  <a:srgbClr val="808080"/>
-                </a:solidFill>
-                <a:highlight>
-                  <a:srgbClr val="FFFFFF"/>
-                </a:highlight>
-                <a:latin typeface="Consolas" panose="020B0609020204030204" charset="0"/>
-                <a:ea typeface="宋体" panose="02010600030101010101" pitchFamily="2" charset="-122"/>
-              </a:rPr>
-              <a:t>"invalid age\n"</a:t>
+              <a:t>"Special character\n"</a:t>
             </a:r>
             <a:r>
               <a:rPr lang="en-US" b="1">
@@ -20074,9 +20727,99 @@
           </a:p>
         </p:txBody>
       </p:sp>
+      <p:graphicFrame>
+        <p:nvGraphicFramePr>
+          <p:cNvPr id="8" name="表格 7"/>
+          <p:cNvGraphicFramePr/>
+          <p:nvPr>
+            <p:custDataLst>
+              <p:tags r:id="rId3"/>
+            </p:custDataLst>
+          </p:nvPr>
+        </p:nvGraphicFramePr>
+        <p:xfrm>
+          <a:off x="2282825" y="5566410"/>
+          <a:ext cx="2736850" cy="640080"/>
+        </p:xfrm>
+        <a:graphic>
+          <a:graphicData uri="http://schemas.openxmlformats.org/drawingml/2006/table">
+            <a:tbl>
+              <a:tblPr firstRow="1" bandRow="1">
+                <a:tableStyleId>{5C22544A-7EE6-4342-B048-85BDC9FD1C3A}</a:tableStyleId>
+              </a:tblPr>
+              <a:tblGrid>
+                <a:gridCol w="2736850"/>
+              </a:tblGrid>
+              <a:tr h="640080">
+                <a:tc>
+                  <a:txBody>
+                    <a:bodyPr/>
+                    <a:p>
+                      <a:pPr>
+                        <a:buNone/>
+                      </a:pPr>
+                      <a:r>
+                        <a:rPr lang="zh-CN" altLang="en-US" sz="1800" b="0">
+                          <a:solidFill>
+                            <a:schemeClr val="tx1"/>
+                          </a:solidFill>
+                          <a:latin typeface="Consolas" panose="020B0609020204030204" charset="0"/>
+                          <a:cs typeface="Consolas" panose="020B0609020204030204" charset="0"/>
+                          <a:sym typeface="+mn-ea"/>
+                        </a:rPr>
+                        <a:t>Enter a character: T</a:t>
+                      </a:r>
+                      <a:endParaRPr lang="zh-CN" altLang="en-US" sz="1800" b="0">
+                        <a:solidFill>
+                          <a:schemeClr val="tx1"/>
+                        </a:solidFill>
+                        <a:latin typeface="Consolas" panose="020B0609020204030204" charset="0"/>
+                        <a:cs typeface="Consolas" panose="020B0609020204030204" charset="0"/>
+                        <a:sym typeface="+mn-ea"/>
+                      </a:endParaRPr>
+                    </a:p>
+                    <a:p>
+                      <a:pPr>
+                        <a:buNone/>
+                      </a:pPr>
+                      <a:r>
+                        <a:rPr lang="zh-CN" altLang="en-US" sz="1800" b="0">
+                          <a:solidFill>
+                            <a:schemeClr val="tx1"/>
+                          </a:solidFill>
+                          <a:latin typeface="Consolas" panose="020B0609020204030204" charset="0"/>
+                          <a:cs typeface="Consolas" panose="020B0609020204030204" charset="0"/>
+                          <a:sym typeface="+mn-ea"/>
+                        </a:rPr>
+                        <a:t>Uppercase</a:t>
+                      </a:r>
+                      <a:endParaRPr lang="zh-CN" altLang="en-US" sz="1800" b="0">
+                        <a:solidFill>
+                          <a:schemeClr val="tx1"/>
+                        </a:solidFill>
+                        <a:latin typeface="Consolas" panose="020B0609020204030204" charset="0"/>
+                        <a:cs typeface="Consolas" panose="020B0609020204030204" charset="0"/>
+                        <a:sym typeface="+mn-ea"/>
+                      </a:endParaRPr>
+                    </a:p>
+                  </a:txBody>
+                  <a:tcPr>
+                    <a:solidFill>
+                      <a:schemeClr val="accent6">
+                        <a:lumMod val="20000"/>
+                        <a:lumOff val="80000"/>
+                      </a:schemeClr>
+                    </a:solidFill>
+                  </a:tcPr>
+                </a:tc>
+              </a:tr>
+            </a:tbl>
+          </a:graphicData>
+        </a:graphic>
+      </p:graphicFrame>
     </p:spTree>
     <p:custDataLst>
-      <p:tags r:id="rId3"/>
+      <p:tags r:id="rId4"/>
     </p:custDataLst>
   </p:cSld>
   <p:clrMapOvr>
@@ -20252,7 +20995,7 @@
         <p:spPr>
           <a:xfrm>
             <a:off x="672465" y="3016885"/>
-            <a:ext cx="5255260" cy="1279525"/>
+            <a:ext cx="5255260" cy="1379220"/>
           </a:xfrm>
         </p:spPr>
         <p:txBody>
@@ -20266,7 +21009,41 @@
                 <a:latin typeface="+mn-lt"/>
                 <a:cs typeface="+mn-lt"/>
               </a:rPr>
-              <a:t>switch结构用于根据一个整数值，选择对应的case执行。需要注意的是，当对应的case中的代码被执行完后，并不会像if语句一样跳出switch结构，而是会继续向后执行，直到遇到break。</a:t>
+              <a:t>switch结构用于根据一个</a:t>
+            </a:r>
+            <a:r>
+              <a:rPr>
+                <a:solidFill>
+                  <a:srgbClr val="FF0000"/>
+                </a:solidFill>
+                <a:latin typeface="+mn-lt"/>
+                <a:cs typeface="+mn-lt"/>
+              </a:rPr>
+              <a:t>整数值</a:t>
+            </a:r>
+            <a:r>
+              <a:rPr>
+                <a:latin typeface="+mn-lt"/>
+                <a:cs typeface="+mn-lt"/>
+              </a:rPr>
+              <a:t>，选择对应的case执行。需要注意的是，当对应的case中的代码被执行完后，并不会像if语句一样跳出switch结构，而是会继续向后执行，直到遇到</a:t>
+            </a:r>
+            <a:r>
+              <a:rPr>
+                <a:solidFill>
+                  <a:srgbClr val="FF0000"/>
+                </a:solidFill>
+                <a:latin typeface="+mn-lt"/>
+                <a:cs typeface="+mn-lt"/>
+              </a:rPr>
+              <a:t>break</a:t>
+            </a:r>
+            <a:r>
+              <a:rPr>
+                <a:latin typeface="+mn-lt"/>
+                <a:cs typeface="+mn-lt"/>
+              </a:rPr>
+              <a:t>。</a:t>
             </a:r>
             <a:endParaRPr>
               <a:latin typeface="+mn-lt"/>
@@ -23157,7 +23934,58 @@
                 <a:latin typeface="+mn-lt"/>
                 <a:cs typeface="+mn-lt"/>
               </a:rPr>
-              <a:t>编程中经常需要使用关系运算符来比较两个数据的大小，比较的结果是一个布尔值（boolean），即True（非0）或False（0）。</a:t>
+              <a:t>编程中经常需要使用关系运算符来比较两个数据的大小，比较的结果是一个</a:t>
+            </a:r>
+            <a:r>
+              <a:rPr>
+                <a:solidFill>
+                  <a:srgbClr val="FF0000"/>
+                </a:solidFill>
+                <a:latin typeface="+mn-lt"/>
+                <a:cs typeface="+mn-lt"/>
+              </a:rPr>
+              <a:t>布尔值（boolean）</a:t>
+            </a:r>
+            <a:r>
+              <a:rPr>
+                <a:latin typeface="+mn-lt"/>
+                <a:cs typeface="+mn-lt"/>
+              </a:rPr>
+              <a:t>，即</a:t>
+            </a:r>
+            <a:r>
+              <a:rPr>
+                <a:solidFill>
+                  <a:srgbClr val="FF0000"/>
+                </a:solidFill>
+                <a:latin typeface="+mn-lt"/>
+                <a:cs typeface="+mn-lt"/>
+              </a:rPr>
+              <a:t>True（非0）</a:t>
+            </a:r>
+            <a:r>
+              <a:rPr>
+                <a:latin typeface="+mn-lt"/>
+                <a:cs typeface="+mn-lt"/>
+              </a:rPr>
+              <a:t>或</a:t>
+            </a:r>
+            <a:r>
+              <a:rPr>
+                <a:solidFill>
+                  <a:srgbClr val="FF0000"/>
+                </a:solidFill>
+                <a:latin typeface="+mn-lt"/>
+                <a:cs typeface="+mn-lt"/>
+              </a:rPr>
+              <a:t>False（0）</a:t>
+            </a:r>
+            <a:r>
+              <a:rPr>
+                <a:latin typeface="+mn-lt"/>
+                <a:cs typeface="+mn-lt"/>
+              </a:rPr>
+              <a:t>。</a:t>
             </a:r>
             <a:endParaRPr>
               <a:latin typeface="+mn-lt"/>
@@ -23176,7 +24004,75 @@
                 <a:latin typeface="+mn-lt"/>
                 <a:cs typeface="+mn-lt"/>
               </a:rPr>
-              <a:t>在编程中需要注意，一个等号=表示赋值运算，而两个等号==表示比较运算。</a:t>
+              <a:t>在编程中需要注意，一个等号</a:t>
+            </a:r>
+            <a:r>
+              <a:rPr>
+                <a:solidFill>
+                  <a:srgbClr val="FF0000"/>
+                </a:solidFill>
+                <a:latin typeface="+mn-lt"/>
+                <a:cs typeface="+mn-lt"/>
+              </a:rPr>
+              <a:t>=</a:t>
+            </a:r>
+            <a:r>
+              <a:rPr>
+                <a:latin typeface="+mn-lt"/>
+                <a:cs typeface="+mn-lt"/>
+              </a:rPr>
+              <a:t>表示</a:t>
+            </a:r>
+            <a:r>
+              <a:rPr>
+                <a:solidFill>
+                  <a:srgbClr val="FF0000"/>
+                </a:solidFill>
+                <a:latin typeface="+mn-lt"/>
+                <a:cs typeface="+mn-lt"/>
+              </a:rPr>
+              <a:t>赋值</a:t>
+            </a:r>
+            <a:r>
+              <a:rPr>
+                <a:latin typeface="+mn-lt"/>
+                <a:cs typeface="+mn-lt"/>
+              </a:rPr>
+              <a:t>运算，而两个等号</a:t>
+            </a:r>
+            <a:r>
+              <a:rPr>
+                <a:solidFill>
+                  <a:srgbClr val="FF0000"/>
+                </a:solidFill>
+                <a:latin typeface="+mn-lt"/>
+                <a:cs typeface="+mn-lt"/>
+              </a:rPr>
+              <a:t>==</a:t>
+            </a:r>
+            <a:r>
+              <a:rPr>
+                <a:latin typeface="+mn-lt"/>
+                <a:cs typeface="+mn-lt"/>
+              </a:rPr>
+              <a:t>表示</a:t>
+            </a:r>
+            <a:r>
+              <a:rPr>
+                <a:solidFill>
+                  <a:srgbClr val="FF0000"/>
+                </a:solidFill>
+                <a:latin typeface="+mn-lt"/>
+                <a:cs typeface="+mn-lt"/>
+              </a:rPr>
+              <a:t>比较</a:t>
+            </a:r>
+            <a:r>
+              <a:rPr>
+                <a:latin typeface="+mn-lt"/>
+                <a:cs typeface="+mn-lt"/>
+              </a:rPr>
+              <a:t>运算。</a:t>
             </a:r>
             <a:endParaRPr>
               <a:latin typeface="+mn-lt"/>
@@ -24240,10 +25136,20 @@
           <a:p>
             <a:r>
               <a:rPr>
+                <a:solidFill>
+                  <a:srgbClr val="FF0000"/>
+                </a:solidFill>
                 <a:latin typeface="+mn-lt"/>
                 <a:cs typeface="+mn-lt"/>
               </a:rPr>
-              <a:t>逻辑与&amp;&amp;：当多个条件全部为True，结果为True。</a:t>
+              <a:t>逻辑与&amp;&amp;</a:t>
+            </a:r>
+            <a:r>
+              <a:rPr>
+                <a:latin typeface="+mn-lt"/>
+                <a:cs typeface="+mn-lt"/>
+              </a:rPr>
+              <a:t>：当多个条件全部为True，结果为True。</a:t>
             </a:r>
             <a:endParaRPr>
               <a:latin typeface="+mn-lt"/>
@@ -24638,10 +25544,20 @@
           <a:p>
             <a:r>
               <a:rPr>
+                <a:solidFill>
+                  <a:srgbClr val="FF0000"/>
+                </a:solidFill>
                 <a:latin typeface="+mn-lt"/>
                 <a:cs typeface="+mn-lt"/>
               </a:rPr>
-              <a:t>逻辑或||：多个条件至少有一个为True时，结果为True。</a:t>
+              <a:t>逻辑或||</a:t>
+            </a:r>
+            <a:r>
+              <a:rPr>
+                <a:latin typeface="+mn-lt"/>
+                <a:cs typeface="+mn-lt"/>
+              </a:rPr>
+              <a:t>：多个条件至少有一个为True时，结果为True。</a:t>
             </a:r>
             <a:endParaRPr>
               <a:latin typeface="+mn-lt"/>
@@ -25036,10 +25952,20 @@
           <a:p>
             <a:r>
               <a:rPr>
+                <a:solidFill>
+                  <a:srgbClr val="FF0000"/>
+                </a:solidFill>
                 <a:latin typeface="+mn-lt"/>
                 <a:cs typeface="+mn-lt"/>
               </a:rPr>
-              <a:t>逻辑非!：条件为True时，结果为False；条件为False时，结果为True。</a:t>
+              <a:t>逻辑非!</a:t>
+            </a:r>
+            <a:r>
+              <a:rPr>
+                <a:latin typeface="+mn-lt"/>
+                <a:cs typeface="+mn-lt"/>
+              </a:rPr>
+              <a:t>：条件为True时，结果为False；条件为False时，结果为True。</a:t>
             </a:r>
             <a:endParaRPr>
               <a:latin typeface="+mn-lt"/>
@@ -28170,6 +29096,13 @@
 
 <file path=ppt/tags/tag263.xml><?xml version="1.0" encoding="utf-8"?>
 <p:tagLst xmlns:p="http://schemas.openxmlformats.org/presentationml/2006/main">
+  <p:tag name="TABLE_ENDDRAG_ORIGIN_RECT" val="218*50"/>
+  <p:tag name="TABLE_ENDDRAG_RECT" val="535*444*218*50"/>
+</p:tagLst>
+</file>
+
+<file path=ppt/tags/tag264.xml><?xml version="1.0" encoding="utf-8"?>
+<p:tagLst xmlns:p="http://schemas.openxmlformats.org/presentationml/2006/main">
   <p:tag name="KSO_WM_SLIDE_ID" val="custom20202582_13"/>
   <p:tag name="KSO_WM_TEMPLATE_SUBCATEGORY" val="0"/>
   <p:tag name="KSO_WM_TEMPLATE_MASTER_TYPE" val="1"/>
@@ -28189,7 +29122,7 @@
 </p:tagLst>
 </file>
 
-<file path=ppt/tags/tag264.xml><?xml version="1.0" encoding="utf-8"?>
+<file path=ppt/tags/tag265.xml><?xml version="1.0" encoding="utf-8"?>
 <p:tagLst xmlns:p="http://schemas.openxmlformats.org/presentationml/2006/main">
   <p:tag name="KSO_WM_UNIT_ISCONTENTSTITLE" val="0"/>
   <p:tag name="KSO_WM_UNIT_PRESET_TEXT" val="单击此处添加标题"/>
@@ -28211,7 +29144,7 @@
 </p:tagLst>
 </file>
 
-<file path=ppt/tags/tag265.xml><?xml version="1.0" encoding="utf-8"?>
+<file path=ppt/tags/tag266.xml><?xml version="1.0" encoding="utf-8"?>
 <p:tagLst xmlns:p="http://schemas.openxmlformats.org/presentationml/2006/main">
   <p:tag name="KSO_WM_UNIT_PRESET_TEXT" val="单击此处添加文本具体内容，简明扼要的阐述您的观点。"/>
   <p:tag name="KSO_WM_UNIT_NOCLEAR" val="0"/>
@@ -28232,7 +29165,35 @@
 </p:tagLst>
 </file>
 
-<file path=ppt/tags/tag266.xml><?xml version="1.0" encoding="utf-8"?>
+<file path=ppt/tags/tag267.xml><?xml version="1.0" encoding="utf-8"?>
+<p:tagLst xmlns:p="http://schemas.openxmlformats.org/presentationml/2006/main">
+  <p:tag name="TABLE_ENDDRAG_ORIGIN_RECT" val="208*50"/>
+  <p:tag name="TABLE_ENDDRAG_RECT" val="633*452*208*50"/>
+</p:tagLst>
+</file>
+
+<file path=ppt/tags/tag268.xml><?xml version="1.0" encoding="utf-8"?>
+<p:tagLst xmlns:p="http://schemas.openxmlformats.org/presentationml/2006/main">
+  <p:tag name="KSO_WM_UNIT_PRESET_TEXT" val="单击此处添加文本具体内容，简明扼要的阐述您的观点。"/>
+  <p:tag name="KSO_WM_UNIT_NOCLEAR" val="0"/>
+  <p:tag name="KSO_WM_UNIT_VALUE" val="50"/>
+  <p:tag name="KSO_WM_UNIT_HIGHLIGHT" val="0"/>
+  <p:tag name="KSO_WM_UNIT_COMPATIBLE" val="0"/>
+  <p:tag name="KSO_WM_UNIT_DIAGRAM_ISNUMVISUAL" val="0"/>
+  <p:tag name="KSO_WM_UNIT_DIAGRAM_ISREFERUNIT" val="0"/>
+  <p:tag name="KSO_WM_UNIT_TYPE" val="f"/>
+  <p:tag name="KSO_WM_UNIT_INDEX" val="2"/>
+  <p:tag name="KSO_WM_UNIT_ID" val="custom20202582_13*f*2"/>
+  <p:tag name="KSO_WM_TEMPLATE_CATEGORY" val="custom"/>
+  <p:tag name="KSO_WM_TEMPLATE_INDEX" val="20202582"/>
+  <p:tag name="KSO_WM_UNIT_LAYERLEVEL" val="1"/>
+  <p:tag name="KSO_WM_TAG_VERSION" val="1.0"/>
+  <p:tag name="KSO_WM_BEAUTIFY_FLAG" val="#wm#"/>
+  <p:tag name="KSO_WM_UNIT_SUBTYPE" val="a"/>
+</p:tagLst>
+</file>
+
+<file path=ppt/tags/tag269.xml><?xml version="1.0" encoding="utf-8"?>
 <p:tagLst xmlns:p="http://schemas.openxmlformats.org/presentationml/2006/main">
   <p:tag name="KSO_WM_SLIDE_ID" val="custom20202582_13"/>
   <p:tag name="KSO_WM_TEMPLATE_SUBCATEGORY" val="0"/>
@@ -28253,7 +29214,20 @@
 </p:tagLst>
 </file>
 
-<file path=ppt/tags/tag267.xml><?xml version="1.0" encoding="utf-8"?>
+<file path=ppt/tags/tag27.xml><?xml version="1.0" encoding="utf-8"?>
+<p:tagLst xmlns:p="http://schemas.openxmlformats.org/presentationml/2006/main">
+  <p:tag name="KSO_WM_UNIT_HIGHLIGHT" val="0"/>
+  <p:tag name="KSO_WM_UNIT_COMPATIBLE" val="0"/>
+  <p:tag name="KSO_WM_UNIT_DIAGRAM_ISNUMVISUAL" val="0"/>
+  <p:tag name="KSO_WM_UNIT_DIAGRAM_ISREFERUNIT" val="0"/>
+  <p:tag name="KSO_WM_UNIT_ID" val="_2**"/>
+  <p:tag name="KSO_WM_UNIT_LAYERLEVEL" val="1"/>
+  <p:tag name="KSO_WM_TAG_VERSION" val="1.0"/>
+  <p:tag name="KSO_WM_BEAUTIFY_FLAG" val="#wm#"/>
+</p:tagLst>
+</file>
+
+<file path=ppt/tags/tag270.xml><?xml version="1.0" encoding="utf-8"?>
 <p:tagLst xmlns:p="http://schemas.openxmlformats.org/presentationml/2006/main">
   <p:tag name="KSO_WM_UNIT_ISCONTENTSTITLE" val="0"/>
   <p:tag name="KSO_WM_UNIT_PRESET_TEXT" val="单击此处添加标题"/>
@@ -28275,7 +29249,7 @@
 </p:tagLst>
 </file>
 
-<file path=ppt/tags/tag268.xml><?xml version="1.0" encoding="utf-8"?>
+<file path=ppt/tags/tag271.xml><?xml version="1.0" encoding="utf-8"?>
 <p:tagLst xmlns:p="http://schemas.openxmlformats.org/presentationml/2006/main">
   <p:tag name="KSO_WM_UNIT_PRESET_TEXT" val="单击此处添加文本具体内容，简明扼要的阐述您的观点。"/>
   <p:tag name="KSO_WM_UNIT_NOCLEAR" val="0"/>
@@ -28296,7 +29270,14 @@
 </p:tagLst>
 </file>
 
-<file path=ppt/tags/tag269.xml><?xml version="1.0" encoding="utf-8"?>
+<file path=ppt/tags/tag272.xml><?xml version="1.0" encoding="utf-8"?>
+<p:tagLst xmlns:p="http://schemas.openxmlformats.org/presentationml/2006/main">
+  <p:tag name="TABLE_ENDDRAG_ORIGIN_RECT" val="208*50"/>
+  <p:tag name="TABLE_ENDDRAG_RECT" val="633*452*208*50"/>
+</p:tagLst>
+</file>
+
+<file path=ppt/tags/tag273.xml><?xml version="1.0" encoding="utf-8"?>
 <p:tagLst xmlns:p="http://schemas.openxmlformats.org/presentationml/2006/main">
   <p:tag name="KSO_WM_SLIDE_ID" val="custom20202582_13"/>
   <p:tag name="KSO_WM_TEMPLATE_SUBCATEGORY" val="0"/>
@@ -28317,20 +29298,7 @@
 </p:tagLst>
 </file>
 
-<file path=ppt/tags/tag27.xml><?xml version="1.0" encoding="utf-8"?>
-<p:tagLst xmlns:p="http://schemas.openxmlformats.org/presentationml/2006/main">
-  <p:tag name="KSO_WM_UNIT_HIGHLIGHT" val="0"/>
-  <p:tag name="KSO_WM_UNIT_COMPATIBLE" val="0"/>
-  <p:tag name="KSO_WM_UNIT_DIAGRAM_ISNUMVISUAL" val="0"/>
-  <p:tag name="KSO_WM_UNIT_DIAGRAM_ISREFERUNIT" val="0"/>
-  <p:tag name="KSO_WM_UNIT_ID" val="_2**"/>
-  <p:tag name="KSO_WM_UNIT_LAYERLEVEL" val="1"/>
-  <p:tag name="KSO_WM_TAG_VERSION" val="1.0"/>
-  <p:tag name="KSO_WM_BEAUTIFY_FLAG" val="#wm#"/>
-</p:tagLst>
-</file>
-
-<file path=ppt/tags/tag270.xml><?xml version="1.0" encoding="utf-8"?>
+<file path=ppt/tags/tag274.xml><?xml version="1.0" encoding="utf-8"?>
 <p:tagLst xmlns:p="http://schemas.openxmlformats.org/presentationml/2006/main">
   <p:tag name="KSO_WM_UNIT_ISCONTENTSTITLE" val="0"/>
   <p:tag name="KSO_WM_UNIT_PRESET_TEXT" val="单击此处添加标题"/>
@@ -28352,7 +29320,7 @@
 </p:tagLst>
 </file>
 
-<file path=ppt/tags/tag271.xml><?xml version="1.0" encoding="utf-8"?>
+<file path=ppt/tags/tag275.xml><?xml version="1.0" encoding="utf-8"?>
 <p:tagLst xmlns:p="http://schemas.openxmlformats.org/presentationml/2006/main">
   <p:tag name="KSO_WM_UNIT_ISCONTENTSTITLE" val="0"/>
   <p:tag name="KSO_WM_UNIT_PRESET_TEXT" val="Contents"/>
@@ -28378,7 +29346,7 @@
 </p:tagLst>
 </file>
 
-<file path=ppt/tags/tag272.xml><?xml version="1.0" encoding="utf-8"?>
+<file path=ppt/tags/tag276.xml><?xml version="1.0" encoding="utf-8"?>
 <p:tagLst xmlns:p="http://schemas.openxmlformats.org/presentationml/2006/main">
   <p:tag name="KSO_WM_SLIDE_ID" val="custom20202582_7"/>
   <p:tag name="KSO_WM_TEMPLATE_SUBCATEGORY" val="0"/>
@@ -28397,7 +29365,7 @@
 </p:tagLst>
 </file>
 
-<file path=ppt/tags/tag273.xml><?xml version="1.0" encoding="utf-8"?>
+<file path=ppt/tags/tag277.xml><?xml version="1.0" encoding="utf-8"?>
 <p:tagLst xmlns:p="http://schemas.openxmlformats.org/presentationml/2006/main">
   <p:tag name="KSO_WM_UNIT_ISCONTENTSTITLE" val="0"/>
   <p:tag name="KSO_WM_UNIT_PRESET_TEXT" val="单击此处添加标题"/>
@@ -28419,7 +29387,7 @@
 </p:tagLst>
 </file>
 
-<file path=ppt/tags/tag274.xml><?xml version="1.0" encoding="utf-8"?>
+<file path=ppt/tags/tag278.xml><?xml version="1.0" encoding="utf-8"?>
 <p:tagLst xmlns:p="http://schemas.openxmlformats.org/presentationml/2006/main">
   <p:tag name="KSO_WM_UNIT_PRESET_TEXT" val="单击此处添加文本具体内容，简明扼要的阐述您的观点。"/>
   <p:tag name="KSO_WM_UNIT_NOCLEAR" val="0"/>
@@ -28440,7 +29408,7 @@
 </p:tagLst>
 </file>
 
-<file path=ppt/tags/tag275.xml><?xml version="1.0" encoding="utf-8"?>
+<file path=ppt/tags/tag279.xml><?xml version="1.0" encoding="utf-8"?>
 <p:tagLst xmlns:p="http://schemas.openxmlformats.org/presentationml/2006/main">
   <p:tag name="KSO_WM_SLIDE_ID" val="custom20202582_13"/>
   <p:tag name="KSO_WM_TEMPLATE_SUBCATEGORY" val="0"/>
@@ -28461,7 +29429,20 @@
 </p:tagLst>
 </file>
 
-<file path=ppt/tags/tag276.xml><?xml version="1.0" encoding="utf-8"?>
+<file path=ppt/tags/tag28.xml><?xml version="1.0" encoding="utf-8"?>
+<p:tagLst xmlns:p="http://schemas.openxmlformats.org/presentationml/2006/main">
+  <p:tag name="KSO_WM_UNIT_HIGHLIGHT" val="0"/>
+  <p:tag name="KSO_WM_UNIT_COMPATIBLE" val="0"/>
+  <p:tag name="KSO_WM_UNIT_DIAGRAM_ISNUMVISUAL" val="0"/>
+  <p:tag name="KSO_WM_UNIT_DIAGRAM_ISREFERUNIT" val="0"/>
+  <p:tag name="KSO_WM_UNIT_ID" val="_2**"/>
+  <p:tag name="KSO_WM_UNIT_LAYERLEVEL" val="1"/>
+  <p:tag name="KSO_WM_TAG_VERSION" val="1.0"/>
+  <p:tag name="KSO_WM_BEAUTIFY_FLAG" val="#wm#"/>
+</p:tagLst>
+</file>
+
+<file path=ppt/tags/tag280.xml><?xml version="1.0" encoding="utf-8"?>
 <p:tagLst xmlns:p="http://schemas.openxmlformats.org/presentationml/2006/main">
   <p:tag name="KSO_WM_UNIT_ISCONTENTSTITLE" val="0"/>
   <p:tag name="KSO_WM_UNIT_PRESET_TEXT" val="单击此处添加标题"/>
@@ -28483,7 +29464,7 @@
 </p:tagLst>
 </file>
 
-<file path=ppt/tags/tag277.xml><?xml version="1.0" encoding="utf-8"?>
+<file path=ppt/tags/tag281.xml><?xml version="1.0" encoding="utf-8"?>
 <p:tagLst xmlns:p="http://schemas.openxmlformats.org/presentationml/2006/main">
   <p:tag name="KSO_WM_UNIT_PRESET_TEXT" val="单击此处添加文本具体内容，简明扼要的阐述您的观点。"/>
   <p:tag name="KSO_WM_UNIT_NOCLEAR" val="0"/>
@@ -28504,7 +29485,7 @@
 </p:tagLst>
 </file>
 
-<file path=ppt/tags/tag278.xml><?xml version="1.0" encoding="utf-8"?>
+<file path=ppt/tags/tag282.xml><?xml version="1.0" encoding="utf-8"?>
 <p:tagLst xmlns:p="http://schemas.openxmlformats.org/presentationml/2006/main">
   <p:tag name="KSO_WM_SLIDE_ID" val="custom20202582_13"/>
   <p:tag name="KSO_WM_TEMPLATE_SUBCATEGORY" val="0"/>
@@ -28525,7 +29506,7 @@
 </p:tagLst>
 </file>
 
-<file path=ppt/tags/tag279.xml><?xml version="1.0" encoding="utf-8"?>
+<file path=ppt/tags/tag283.xml><?xml version="1.0" encoding="utf-8"?>
 <p:tagLst xmlns:p="http://schemas.openxmlformats.org/presentationml/2006/main">
   <p:tag name="KSO_WM_UNIT_ISCONTENTSTITLE" val="0"/>
   <p:tag name="KSO_WM_UNIT_PRESET_TEXT" val="单击此处添加标题"/>
@@ -28547,27 +29528,14 @@
 </p:tagLst>
 </file>
 
-<file path=ppt/tags/tag28.xml><?xml version="1.0" encoding="utf-8"?>
-<p:tagLst xmlns:p="http://schemas.openxmlformats.org/presentationml/2006/main">
-  <p:tag name="KSO_WM_UNIT_HIGHLIGHT" val="0"/>
-  <p:tag name="KSO_WM_UNIT_COMPATIBLE" val="0"/>
-  <p:tag name="KSO_WM_UNIT_DIAGRAM_ISNUMVISUAL" val="0"/>
-  <p:tag name="KSO_WM_UNIT_DIAGRAM_ISREFERUNIT" val="0"/>
-  <p:tag name="KSO_WM_UNIT_ID" val="_2**"/>
-  <p:tag name="KSO_WM_UNIT_LAYERLEVEL" val="1"/>
-  <p:tag name="KSO_WM_TAG_VERSION" val="1.0"/>
-  <p:tag name="KSO_WM_BEAUTIFY_FLAG" val="#wm#"/>
-</p:tagLst>
-</file>
-
-<file path=ppt/tags/tag280.xml><?xml version="1.0" encoding="utf-8"?>
+<file path=ppt/tags/tag284.xml><?xml version="1.0" encoding="utf-8"?>
 <p:tagLst xmlns:p="http://schemas.openxmlformats.org/presentationml/2006/main">
   <p:tag name="TABLE_ENDDRAG_ORIGIN_RECT" val="280*50"/>
   <p:tag name="TABLE_ENDDRAG_RECT" val="611*325*280*50"/>
 </p:tagLst>
 </file>
 
-<file path=ppt/tags/tag281.xml><?xml version="1.0" encoding="utf-8"?>
+<file path=ppt/tags/tag285.xml><?xml version="1.0" encoding="utf-8"?>
 <p:tagLst xmlns:p="http://schemas.openxmlformats.org/presentationml/2006/main">
   <p:tag name="KSO_WM_SLIDE_ID" val="custom20202582_13"/>
   <p:tag name="KSO_WM_TEMPLATE_SUBCATEGORY" val="0"/>
@@ -28588,7 +29556,7 @@
 </p:tagLst>
 </file>
 
-<file path=ppt/tags/tag282.xml><?xml version="1.0" encoding="utf-8"?>
+<file path=ppt/tags/tag286.xml><?xml version="1.0" encoding="utf-8"?>
 <p:tagLst xmlns:p="http://schemas.openxmlformats.org/presentationml/2006/main">
   <p:tag name="COMMONDATA" val="eyJoZGlkIjoiZWVjNTQyYWQ1MGI1NzQwNTgzMjZhMzNhMzAyOTZlNDIifQ=="/>
   <p:tag name="KSO_WPP_MARK_KEY" val="5141afc2-ce81-452e-9c44-a2db9f36b55d"/>
